--- a/Module-A-JPN-Motivation.pptx
+++ b/Module-A-JPN-Motivation.pptx
@@ -8579,6 +8579,10 @@
               <a:t>(</a:t>
             </a:r>
             <a:r>
+              <a:rPr lang="ja-JP" altLang="en-US" dirty="0"/>
+              <a:t> パーミッシブ</a:t>
+            </a:r>
+            <a:r>
               <a:rPr lang="ja-JP" altLang="en-US" sz="1600" b="0" strike="noStrike" spc="-1" dirty="0" smtClean="0">
                 <a:solidFill>
                   <a:srgbClr val="000000"/>
@@ -8586,7 +8590,17 @@
                 <a:latin typeface="Arial"/>
                 <a:ea typeface="Arial"/>
               </a:rPr>
-              <a:t>パーミティブでない</a:t>
+              <a:t>で</a:t>
+            </a:r>
+            <a:r>
+              <a:rPr lang="ja-JP" altLang="en-US" sz="1600" b="0" strike="noStrike" spc="-1" dirty="0" smtClean="0">
+                <a:solidFill>
+                  <a:srgbClr val="000000"/>
+                </a:solidFill>
+                <a:latin typeface="Arial"/>
+                <a:ea typeface="Arial"/>
+              </a:rPr>
+              <a:t>ない</a:t>
             </a:r>
             <a:r>
               <a:rPr lang="en-US" sz="1600" b="0" strike="noStrike" spc="-1" dirty="0" smtClean="0">
@@ -9213,6 +9227,110 @@
           </a:p>
         </p:txBody>
       </p:sp>
+      <p:sp>
+        <p:nvSpPr>
+          <p:cNvPr id="2" name="テキスト ボックス 1"/>
+          <p:cNvSpPr txBox="1"/>
+          <p:nvPr/>
+        </p:nvSpPr>
+        <p:spPr>
+          <a:xfrm>
+            <a:off x="7405140" y="1349115"/>
+            <a:ext cx="4247213" cy="2031325"/>
+          </a:xfrm>
+          <a:prstGeom prst="rect">
+            <a:avLst/>
+          </a:prstGeom>
+        </p:spPr>
+        <p:style>
+          <a:lnRef idx="2">
+            <a:schemeClr val="dk1"/>
+          </a:lnRef>
+          <a:fillRef idx="1">
+            <a:schemeClr val="lt1"/>
+          </a:fillRef>
+          <a:effectRef idx="0">
+            <a:schemeClr val="dk1"/>
+          </a:effectRef>
+          <a:fontRef idx="minor">
+            <a:schemeClr val="dk1"/>
+          </a:fontRef>
+        </p:style>
+        <p:txBody>
+          <a:bodyPr wrap="square" rtlCol="0">
+            <a:spAutoFit/>
+          </a:bodyPr>
+          <a:lstStyle/>
+          <a:p>
+            <a:r>
+              <a:rPr lang="ja-JP" altLang="en-US" dirty="0" smtClean="0"/>
+              <a:t>訳注：左例の補足説明</a:t>
+            </a:r>
+            <a:endParaRPr lang="en-US" altLang="ja-JP" dirty="0" smtClean="0"/>
+          </a:p>
+          <a:p>
+            <a:pPr marL="285750" indent="-285750">
+              <a:buFont typeface="Arial" panose="020B0604020202020204" pitchFamily="34" charset="0"/>
+              <a:buChar char="•"/>
+            </a:pPr>
+            <a:r>
+              <a:rPr lang="ja-JP" altLang="en-US" dirty="0" smtClean="0"/>
+              <a:t>文字</a:t>
+            </a:r>
+            <a:r>
+              <a:rPr lang="ja-JP" altLang="en-US" dirty="0"/>
+              <a:t>コードが書かれている </a:t>
+            </a:r>
+            <a:r>
+              <a:rPr lang="en-US" altLang="ja-JP" dirty="0"/>
+              <a:t>(u00A9)</a:t>
+            </a:r>
+          </a:p>
+          <a:p>
+            <a:pPr marL="285750" indent="-285750">
+              <a:buFont typeface="Arial" panose="020B0604020202020204" pitchFamily="34" charset="0"/>
+              <a:buChar char="•"/>
+            </a:pPr>
+            <a:r>
+              <a:rPr lang="ja-JP" altLang="en-US" dirty="0"/>
+              <a:t>文字化け</a:t>
+            </a:r>
+          </a:p>
+          <a:p>
+            <a:pPr marL="285750" indent="-285750">
+              <a:buFont typeface="Arial" panose="020B0604020202020204" pitchFamily="34" charset="0"/>
+              <a:buChar char="•"/>
+            </a:pPr>
+            <a:r>
+              <a:rPr lang="en-US" altLang="ja-JP" dirty="0"/>
+              <a:t>All Rights Reserved </a:t>
+            </a:r>
+            <a:r>
+              <a:rPr lang="ja-JP" altLang="en-US" dirty="0"/>
+              <a:t>とだけ書かれていてライセンスが不明 </a:t>
+            </a:r>
+            <a:r>
+              <a:rPr lang="en-US" altLang="ja-JP" dirty="0"/>
+              <a:t>(</a:t>
+            </a:r>
+            <a:r>
+              <a:rPr lang="ja-JP" altLang="en-US" dirty="0"/>
+              <a:t>オープンソースとして使えない</a:t>
+            </a:r>
+            <a:r>
+              <a:rPr lang="en-US" altLang="ja-JP" dirty="0"/>
+              <a:t>)</a:t>
+            </a:r>
+          </a:p>
+          <a:p>
+            <a:pPr marL="285750" indent="-285750">
+              <a:buFont typeface="Arial" panose="020B0604020202020204" pitchFamily="34" charset="0"/>
+              <a:buChar char="•"/>
+            </a:pPr>
+            <a:endParaRPr kumimoji="1" lang="ja-JP" altLang="en-US" dirty="0"/>
+          </a:p>
+        </p:txBody>
+      </p:sp>
     </p:spTree>
   </p:cSld>
   <p:clrMapOvr>
@@ -11267,8 +11385,8 @@
         </p:nvSpPr>
         <p:spPr>
           <a:xfrm>
-            <a:off x="838080" y="1825560"/>
-            <a:ext cx="6400080" cy="4350600"/>
+            <a:off x="405306" y="1882281"/>
+            <a:ext cx="7541421" cy="4350600"/>
           </a:xfrm>
           <a:prstGeom prst="rect">
             <a:avLst/>
@@ -11337,158 +11455,65 @@
               <a:buAutoNum type="arabicPeriod"/>
             </a:pPr>
             <a:r>
-              <a:rPr lang="ja-JP" altLang="en-US" sz="2400" b="1" spc="-1" dirty="0" smtClean="0">
-                <a:solidFill>
-                  <a:srgbClr val="000000"/>
-                </a:solidFill>
-                <a:latin typeface="ＭＳ ゴシック" panose="020B0609070205080204" pitchFamily="49" charset="-128"/>
-                <a:ea typeface="ＭＳ ゴシック" panose="020B0609070205080204" pitchFamily="49" charset="-128"/>
-              </a:rPr>
-              <a:t>コンポーネント分析 </a:t>
-            </a:r>
-            <a:r>
-              <a:rPr lang="en-US" sz="2400" b="1" strike="noStrike" spc="-1" dirty="0" smtClean="0">
-                <a:solidFill>
-                  <a:srgbClr val="000000"/>
-                </a:solidFill>
-                <a:latin typeface="ＭＳ ゴシック" panose="020B0609070205080204" pitchFamily="49" charset="-128"/>
-                <a:ea typeface="ＭＳ ゴシック" panose="020B0609070205080204" pitchFamily="49" charset="-128"/>
-              </a:rPr>
-              <a:t>vs</a:t>
-            </a:r>
-            <a:r>
-              <a:rPr lang="en-US" sz="2400" b="1" strike="noStrike" spc="-1" dirty="0">
-                <a:solidFill>
-                  <a:srgbClr val="000000"/>
-                </a:solidFill>
-                <a:latin typeface="ＭＳ ゴシック" panose="020B0609070205080204" pitchFamily="49" charset="-128"/>
-                <a:ea typeface="ＭＳ ゴシック" panose="020B0609070205080204" pitchFamily="49" charset="-128"/>
-              </a:rPr>
-              <a:t>. </a:t>
-            </a:r>
-            <a:r>
-              <a:rPr lang="ja-JP" altLang="en-US" sz="2400" b="1" spc="-1" dirty="0" smtClean="0">
-                <a:solidFill>
-                  <a:srgbClr val="000000"/>
-                </a:solidFill>
-                <a:latin typeface="ＭＳ ゴシック" panose="020B0609070205080204" pitchFamily="49" charset="-128"/>
-                <a:ea typeface="ＭＳ ゴシック" panose="020B0609070205080204" pitchFamily="49" charset="-128"/>
-              </a:rPr>
-              <a:t>利用法</a:t>
-            </a:r>
-            <a:r>
-              <a:rPr lang="ja-JP" altLang="en-US" sz="2400" b="1" spc="-1" dirty="0">
-                <a:solidFill>
-                  <a:srgbClr val="000000"/>
-                </a:solidFill>
-                <a:latin typeface="ＭＳ ゴシック" panose="020B0609070205080204" pitchFamily="49" charset="-128"/>
-                <a:ea typeface="ＭＳ ゴシック" panose="020B0609070205080204" pitchFamily="49" charset="-128"/>
-              </a:rPr>
-              <a:t>分析</a:t>
-            </a:r>
-            <a:endParaRPr lang="en-US" sz="2400" b="0" strike="noStrike" spc="-1" dirty="0">
-              <a:latin typeface="ＭＳ ゴシック" panose="020B0609070205080204" pitchFamily="49" charset="-128"/>
-              <a:ea typeface="ＭＳ ゴシック" panose="020B0609070205080204" pitchFamily="49" charset="-128"/>
-            </a:endParaRPr>
-          </a:p>
-          <a:p>
-            <a:pPr marL="522360" lvl="2" indent="-381960">
-              <a:lnSpc>
-                <a:spcPct val="100000"/>
-              </a:lnSpc>
-              <a:buClr>
-                <a:srgbClr val="3C464B"/>
-              </a:buClr>
-              <a:buFont typeface="Noto Sans Symbols"/>
-              <a:buAutoNum type="alphaLcParenR"/>
-            </a:pPr>
-            <a:r>
-              <a:rPr lang="ja-JP" altLang="en-US" sz="2400" b="0" strike="noStrike" spc="-1" dirty="0" smtClean="0">
-                <a:solidFill>
-                  <a:srgbClr val="000000"/>
-                </a:solidFill>
-                <a:latin typeface="ＭＳ ゴシック" panose="020B0609070205080204" pitchFamily="49" charset="-128"/>
-                <a:ea typeface="ＭＳ ゴシック" panose="020B0609070205080204" pitchFamily="49" charset="-128"/>
-              </a:rPr>
-              <a:t>基本的はコンポーネントごとの分析</a:t>
-            </a:r>
-            <a:endParaRPr lang="en-US" altLang="ja-JP" sz="2400" b="0" strike="noStrike" spc="-1" dirty="0" smtClean="0">
-              <a:solidFill>
-                <a:srgbClr val="000000"/>
-              </a:solidFill>
-              <a:latin typeface="ＭＳ ゴシック" panose="020B0609070205080204" pitchFamily="49" charset="-128"/>
-              <a:ea typeface="ＭＳ ゴシック" panose="020B0609070205080204" pitchFamily="49" charset="-128"/>
-            </a:endParaRPr>
-          </a:p>
-          <a:p>
-            <a:pPr marL="522360" lvl="2" indent="-381960">
-              <a:lnSpc>
-                <a:spcPct val="100000"/>
-              </a:lnSpc>
-              <a:buClr>
-                <a:srgbClr val="3C464B"/>
-              </a:buClr>
-              <a:buFont typeface="Noto Sans Symbols"/>
-              <a:buAutoNum type="alphaLcParenR"/>
-            </a:pPr>
-            <a:r>
-              <a:rPr lang="ja-JP" altLang="en-US" sz="2400" b="0" strike="noStrike" spc="-1" dirty="0" smtClean="0">
-                <a:solidFill>
-                  <a:srgbClr val="000000"/>
-                </a:solidFill>
-                <a:latin typeface="ＭＳ ゴシック" panose="020B0609070205080204" pitchFamily="49" charset="-128"/>
-                <a:ea typeface="ＭＳ ゴシック" panose="020B0609070205080204" pitchFamily="49" charset="-128"/>
-              </a:rPr>
-              <a:t>特定の使用例を考慮しない </a:t>
-            </a:r>
-            <a:r>
-              <a:rPr lang="en-US" altLang="ja-JP" sz="2400" b="0" strike="noStrike" spc="-1" dirty="0" smtClean="0">
-                <a:solidFill>
-                  <a:srgbClr val="000000"/>
-                </a:solidFill>
-                <a:latin typeface="ＭＳ ゴシック" panose="020B0609070205080204" pitchFamily="49" charset="-128"/>
-                <a:ea typeface="ＭＳ ゴシック" panose="020B0609070205080204" pitchFamily="49" charset="-128"/>
-              </a:rPr>
+              <a:rPr lang="ja-JP" altLang="en-US" sz="2400" dirty="0"/>
+              <a:t>コンポーネントによる分析 </a:t>
+            </a:r>
+            <a:r>
+              <a:rPr lang="en-US" altLang="ja-JP" sz="2400" dirty="0"/>
+              <a:t>vs. </a:t>
+            </a:r>
+            <a:r>
+              <a:rPr lang="ja-JP" altLang="en-US" sz="2400" dirty="0"/>
+              <a:t>ユースケースによる分析</a:t>
+            </a:r>
+            <a:br>
+              <a:rPr lang="ja-JP" altLang="en-US" sz="2400" dirty="0"/>
+            </a:br>
+            <a:r>
+              <a:rPr lang="en-US" altLang="ja-JP" dirty="0"/>
+              <a:t>a) </a:t>
+            </a:r>
+            <a:r>
+              <a:rPr lang="ja-JP" altLang="en-US" dirty="0"/>
+              <a:t>コンポーネント単位での解析</a:t>
+            </a:r>
+            <a:r>
+              <a:rPr lang="ja-JP" altLang="en-US" sz="2400" dirty="0"/>
+              <a:t/>
+            </a:r>
+            <a:br>
+              <a:rPr lang="ja-JP" altLang="en-US" sz="2400" dirty="0"/>
+            </a:br>
+            <a:r>
+              <a:rPr lang="en-US" altLang="ja-JP" dirty="0"/>
+              <a:t>b) </a:t>
+            </a:r>
+            <a:r>
+              <a:rPr lang="ja-JP" altLang="en-US" dirty="0"/>
+              <a:t>特定のユースケースのみを考慮すべきではない </a:t>
+            </a:r>
+            <a:r>
+              <a:rPr lang="en-US" altLang="ja-JP" dirty="0"/>
               <a:t>- </a:t>
             </a:r>
             <a:r>
-              <a:rPr lang="ja-JP" altLang="en-US" sz="2400" b="0" strike="noStrike" spc="-1" dirty="0" smtClean="0">
-                <a:solidFill>
-                  <a:srgbClr val="000000"/>
-                </a:solidFill>
-                <a:latin typeface="ＭＳ ゴシック" panose="020B0609070205080204" pitchFamily="49" charset="-128"/>
-                <a:ea typeface="ＭＳ ゴシック" panose="020B0609070205080204" pitchFamily="49" charset="-128"/>
-              </a:rPr>
-              <a:t>ライセンス分析の再利用を可能にする</a:t>
-            </a:r>
-            <a:endParaRPr lang="en-US" altLang="ja-JP" sz="2400" b="0" strike="noStrike" spc="-1" dirty="0" smtClean="0">
-              <a:solidFill>
-                <a:srgbClr val="000000"/>
-              </a:solidFill>
-              <a:latin typeface="ＭＳ ゴシック" panose="020B0609070205080204" pitchFamily="49" charset="-128"/>
-              <a:ea typeface="ＭＳ ゴシック" panose="020B0609070205080204" pitchFamily="49" charset="-128"/>
-            </a:endParaRPr>
-          </a:p>
-          <a:p>
-            <a:pPr marL="522360" lvl="2" indent="-381960">
-              <a:lnSpc>
-                <a:spcPct val="100000"/>
-              </a:lnSpc>
-              <a:buClr>
-                <a:srgbClr val="3C464B"/>
-              </a:buClr>
-              <a:buFont typeface="Noto Sans Symbols"/>
-              <a:buAutoNum type="alphaLcParenR"/>
-            </a:pPr>
-            <a:r>
-              <a:rPr lang="ja-JP" altLang="en-US" sz="2400" b="0" strike="noStrike" spc="-1" dirty="0" smtClean="0">
-                <a:solidFill>
-                  <a:srgbClr val="000000"/>
-                </a:solidFill>
-                <a:latin typeface="ＭＳ ゴシック" panose="020B0609070205080204" pitchFamily="49" charset="-128"/>
-                <a:ea typeface="ＭＳ ゴシック" panose="020B0609070205080204" pitchFamily="49" charset="-128"/>
-              </a:rPr>
-              <a:t>相反する利用法分析：含まれるすべてのコンポーネントについて考慮</a:t>
+              <a:rPr lang="ja-JP" altLang="en-US" dirty="0"/>
+              <a:t>それにより、ライセンス分析の結果を再利用できるようにする</a:t>
+            </a:r>
+            <a:r>
+              <a:rPr lang="ja-JP" altLang="en-US" sz="2400" dirty="0"/>
+              <a:t/>
+            </a:r>
+            <a:br>
+              <a:rPr lang="ja-JP" altLang="en-US" sz="2400" dirty="0"/>
+            </a:br>
+            <a:r>
+              <a:rPr lang="en-US" altLang="ja-JP" dirty="0"/>
+              <a:t>c) </a:t>
+            </a:r>
+            <a:r>
+              <a:rPr lang="ja-JP" altLang="en-US" dirty="0"/>
+              <a:t>ユースケースで分析するのではなく、含まれるすべてのコンポーネントについて考慮</a:t>
             </a:r>
             <a:endParaRPr lang="en-US" altLang="ja-JP" sz="2400" b="0" strike="noStrike" spc="-1" dirty="0" smtClean="0">
               <a:solidFill>
@@ -11508,7 +11533,7 @@
         </p:nvSpPr>
         <p:spPr>
           <a:xfrm>
-            <a:off x="7422840" y="1825560"/>
+            <a:off x="7946727" y="1882281"/>
             <a:ext cx="3930480" cy="3512160"/>
           </a:xfrm>
           <a:prstGeom prst="rect">
@@ -11542,7 +11567,7 @@
         </p:nvSpPr>
         <p:spPr>
           <a:xfrm>
-            <a:off x="7500135" y="2122919"/>
+            <a:off x="8109039" y="2192926"/>
             <a:ext cx="3935001" cy="2890869"/>
           </a:xfrm>
           <a:prstGeom prst="rect">
@@ -12121,16 +12146,26 @@
               <a:buAutoNum type="alphaLcParenR"/>
             </a:pPr>
             <a:r>
-              <a:rPr lang="ja-JP" altLang="en-US" sz="2300" b="0" strike="noStrike" spc="-1" dirty="0" smtClean="0">
+              <a:rPr lang="ja-JP" altLang="en-US" sz="2300" spc="-1" dirty="0">
                 <a:solidFill>
                   <a:srgbClr val="000000"/>
                 </a:solidFill>
                 <a:latin typeface="ＭＳ ゴシック" panose="020B0609070205080204" pitchFamily="49" charset="-128"/>
                 <a:ea typeface="ＭＳ ゴシック" panose="020B0609070205080204" pitchFamily="49" charset="-128"/>
               </a:rPr>
-              <a:t>明確なライセンス条項が必要な場合もある</a:t>
-            </a:r>
-            <a:endParaRPr lang="en-US" altLang="ja-JP" sz="2300" b="0" strike="noStrike" spc="-1" dirty="0" smtClean="0">
+              <a:t>ライセンス条件の明確化が必要な場合も</a:t>
+            </a:r>
+            <a:r>
+              <a:rPr lang="ja-JP" altLang="en-US" sz="2300" spc="-1" dirty="0" smtClean="0">
+                <a:solidFill>
+                  <a:srgbClr val="000000"/>
+                </a:solidFill>
+                <a:latin typeface="ＭＳ ゴシック" panose="020B0609070205080204" pitchFamily="49" charset="-128"/>
+                <a:ea typeface="ＭＳ ゴシック" panose="020B0609070205080204" pitchFamily="49" charset="-128"/>
+              </a:rPr>
+              <a:t>ある</a:t>
+            </a:r>
+            <a:endParaRPr lang="en-US" altLang="ja-JP" sz="2300" spc="-1" dirty="0" smtClean="0">
               <a:solidFill>
                 <a:srgbClr val="000000"/>
               </a:solidFill>
@@ -12155,7 +12190,7 @@
                 <a:latin typeface="ＭＳ ゴシック" panose="020B0609070205080204" pitchFamily="49" charset="-128"/>
                 <a:ea typeface="ＭＳ ゴシック" panose="020B0609070205080204" pitchFamily="49" charset="-128"/>
               </a:rPr>
-              <a:t>　例：新しいライセンス、</a:t>
+              <a:t>　例</a:t>
             </a:r>
             <a:r>
               <a:rPr lang="ja-JP" altLang="en-US" sz="2300" spc="-1" dirty="0">
@@ -12165,7 +12200,7 @@
                 <a:latin typeface="ＭＳ ゴシック" panose="020B0609070205080204" pitchFamily="49" charset="-128"/>
                 <a:ea typeface="ＭＳ ゴシック" panose="020B0609070205080204" pitchFamily="49" charset="-128"/>
               </a:rPr>
-              <a:t>珍</a:t>
+              <a:t>：新しいライセンス、珍しいライセンス、米国の法律に準拠して書かれたライセンスを欧州で使う場合</a:t>
             </a:r>
             <a:r>
               <a:rPr lang="ja-JP" altLang="en-US" sz="2300" spc="-1" dirty="0" smtClean="0">
@@ -12175,46 +12210,7 @@
                 <a:latin typeface="ＭＳ ゴシック" panose="020B0609070205080204" pitchFamily="49" charset="-128"/>
                 <a:ea typeface="ＭＳ ゴシック" panose="020B0609070205080204" pitchFamily="49" charset="-128"/>
               </a:rPr>
-              <a:t>しい</a:t>
-            </a:r>
-            <a:r>
-              <a:rPr lang="ja-JP" altLang="en-US" sz="2300" b="0" strike="noStrike" spc="-1" dirty="0" smtClean="0">
-                <a:solidFill>
-                  <a:srgbClr val="000000"/>
-                </a:solidFill>
-                <a:latin typeface="ＭＳ ゴシック" panose="020B0609070205080204" pitchFamily="49" charset="-128"/>
-                <a:ea typeface="ＭＳ ゴシック" panose="020B0609070205080204" pitchFamily="49" charset="-128"/>
-              </a:rPr>
-              <a:t>ライセンス、米国の法律のために書かれた</a:t>
-            </a:r>
-            <a:r>
-              <a:rPr lang="en-US" altLang="ja-JP" sz="2300" b="0" strike="noStrike" spc="-1" dirty="0" smtClean="0">
-                <a:solidFill>
-                  <a:srgbClr val="000000"/>
-                </a:solidFill>
-                <a:latin typeface="ＭＳ ゴシック" panose="020B0609070205080204" pitchFamily="49" charset="-128"/>
-                <a:ea typeface="ＭＳ ゴシック" panose="020B0609070205080204" pitchFamily="49" charset="-128"/>
-              </a:rPr>
-              <a:t/>
-            </a:r>
-            <a:br>
-              <a:rPr lang="en-US" altLang="ja-JP" sz="2300" b="0" strike="noStrike" spc="-1" dirty="0" smtClean="0">
-                <a:solidFill>
-                  <a:srgbClr val="000000"/>
-                </a:solidFill>
-                <a:latin typeface="ＭＳ ゴシック" panose="020B0609070205080204" pitchFamily="49" charset="-128"/>
-                <a:ea typeface="ＭＳ ゴシック" panose="020B0609070205080204" pitchFamily="49" charset="-128"/>
-              </a:rPr>
-            </a:br>
-            <a:r>
-              <a:rPr lang="ja-JP" altLang="en-US" sz="2300" b="0" strike="noStrike" spc="-1" dirty="0" smtClean="0">
-                <a:solidFill>
-                  <a:srgbClr val="000000"/>
-                </a:solidFill>
-                <a:latin typeface="ＭＳ ゴシック" panose="020B0609070205080204" pitchFamily="49" charset="-128"/>
-                <a:ea typeface="ＭＳ ゴシック" panose="020B0609070205080204" pitchFamily="49" charset="-128"/>
-              </a:rPr>
-              <a:t>　ライセンス、ヨーロッパで使用されるライセンスなど</a:t>
+              <a:t>など</a:t>
             </a:r>
             <a:endParaRPr lang="en-US" altLang="ja-JP" sz="2300" b="0" strike="noStrike" spc="-1" dirty="0" smtClean="0">
               <a:solidFill>
@@ -12256,17 +12252,7 @@
                 <a:latin typeface="ＭＳ ゴシック" panose="020B0609070205080204" pitchFamily="49" charset="-128"/>
                 <a:ea typeface="ＭＳ ゴシック" panose="020B0609070205080204" pitchFamily="49" charset="-128"/>
               </a:rPr>
-              <a:t>また</a:t>
-            </a:r>
-            <a:r>
-              <a:rPr lang="ja-JP" altLang="en-US" sz="2300" b="1" spc="-1" dirty="0">
-                <a:solidFill>
-                  <a:srgbClr val="000000"/>
-                </a:solidFill>
-                <a:latin typeface="ＭＳ ゴシック" panose="020B0609070205080204" pitchFamily="49" charset="-128"/>
-                <a:ea typeface="ＭＳ ゴシック" panose="020B0609070205080204" pitchFamily="49" charset="-128"/>
-              </a:rPr>
-              <a:t>は</a:t>
+              <a:t>または</a:t>
             </a:r>
             <a:r>
               <a:rPr lang="en-US" sz="2300" b="1" strike="noStrike" spc="-1" dirty="0" smtClean="0">
@@ -12312,7 +12298,17 @@
                 <a:latin typeface="ＭＳ ゴシック" panose="020B0609070205080204" pitchFamily="49" charset="-128"/>
                 <a:ea typeface="ＭＳ ゴシック" panose="020B0609070205080204" pitchFamily="49" charset="-128"/>
               </a:rPr>
-              <a:t>ライセンス分析を再利用するために</a:t>
+              <a:t>ライセンス</a:t>
+            </a:r>
+            <a:r>
+              <a:rPr lang="ja-JP" altLang="en-US" sz="2300" b="0" strike="noStrike" spc="-1" dirty="0" smtClean="0">
+                <a:solidFill>
+                  <a:srgbClr val="000000"/>
+                </a:solidFill>
+                <a:latin typeface="ＭＳ ゴシック" panose="020B0609070205080204" pitchFamily="49" charset="-128"/>
+                <a:ea typeface="ＭＳ ゴシック" panose="020B0609070205080204" pitchFamily="49" charset="-128"/>
+              </a:rPr>
+              <a:t>分析を再利用するために</a:t>
             </a:r>
             <a:r>
               <a:rPr lang="en-US" sz="2300" b="0" strike="noStrike" spc="-1" dirty="0" smtClean="0">
@@ -15032,44 +15028,14 @@
               <a:t>「</a:t>
             </a:r>
             <a:r>
-              <a:rPr lang="ja-JP" altLang="en-US" sz="2000" spc="-1" dirty="0" smtClean="0">
+              <a:rPr lang="ja-JP" altLang="en-US" sz="2000" spc="-1" dirty="0">
                 <a:solidFill>
                   <a:srgbClr val="000000"/>
                 </a:solidFill>
                 <a:latin typeface="Open Sans"/>
                 <a:ea typeface="Open Sans"/>
               </a:rPr>
-              <a:t>ライセンス</a:t>
-            </a:r>
-            <a:r>
-              <a:rPr lang="ja-JP" altLang="en-US" sz="2000" b="0" strike="noStrike" spc="-1" dirty="0" smtClean="0">
-                <a:solidFill>
-                  <a:srgbClr val="000000"/>
-                </a:solidFill>
-                <a:latin typeface="Open Sans"/>
-                <a:ea typeface="Open Sans"/>
-              </a:rPr>
-              <a:t>急増</a:t>
-            </a:r>
-            <a:r>
-              <a:rPr lang="ja-JP" altLang="en-US" sz="2000" spc="-1" dirty="0" smtClean="0">
-                <a:solidFill>
-                  <a:srgbClr val="000000"/>
-                </a:solidFill>
-                <a:latin typeface="Open Sans"/>
-                <a:ea typeface="Open Sans"/>
-              </a:rPr>
-              <a:t>中</a:t>
-            </a:r>
-            <a:r>
-              <a:rPr lang="ja-JP" altLang="en-US" sz="2000" spc="-1" dirty="0">
-                <a:solidFill>
-                  <a:srgbClr val="000000"/>
-                </a:solidFill>
-                <a:latin typeface="Open Sans"/>
-                <a:ea typeface="Open Sans"/>
-              </a:rPr>
-              <a:t>」</a:t>
+              <a:t>ライセンスの氾濫」</a:t>
             </a:r>
             <a:r>
               <a:rPr lang="en-US" sz="2000" b="0" strike="noStrike" spc="-1" dirty="0" smtClean="0">
@@ -16237,6 +16203,151 @@
           </a:p>
         </p:txBody>
       </p:sp>
+      <p:sp>
+        <p:nvSpPr>
+          <p:cNvPr id="4" name="CustomShape 3"/>
+          <p:cNvSpPr/>
+          <p:nvPr/>
+        </p:nvSpPr>
+        <p:spPr>
+          <a:xfrm>
+            <a:off x="8046720" y="1825560"/>
+            <a:ext cx="3565800" cy="3569040"/>
+          </a:xfrm>
+          <a:prstGeom prst="rect">
+            <a:avLst/>
+          </a:prstGeom>
+          <a:solidFill>
+            <a:srgbClr val="F2F2F2"/>
+          </a:solidFill>
+          <a:ln>
+            <a:noFill/>
+          </a:ln>
+        </p:spPr>
+        <p:style>
+          <a:lnRef idx="0">
+            <a:scrgbClr r="0" g="0" b="0"/>
+          </a:lnRef>
+          <a:fillRef idx="0">
+            <a:scrgbClr r="0" g="0" b="0"/>
+          </a:fillRef>
+          <a:effectRef idx="0">
+            <a:scrgbClr r="0" g="0" b="0"/>
+          </a:effectRef>
+          <a:fontRef idx="minor"/>
+        </p:style>
+      </p:sp>
+      <p:sp>
+        <p:nvSpPr>
+          <p:cNvPr id="5" name="CustomShape 4"/>
+          <p:cNvSpPr/>
+          <p:nvPr/>
+        </p:nvSpPr>
+        <p:spPr>
+          <a:xfrm rot="21577800">
+            <a:off x="8148231" y="2131196"/>
+            <a:ext cx="3108600" cy="3146155"/>
+          </a:xfrm>
+          <a:prstGeom prst="rect">
+            <a:avLst/>
+          </a:prstGeom>
+          <a:noFill/>
+          <a:ln>
+            <a:noFill/>
+          </a:ln>
+        </p:spPr>
+        <p:style>
+          <a:lnRef idx="0">
+            <a:scrgbClr r="0" g="0" b="0"/>
+          </a:lnRef>
+          <a:fillRef idx="0">
+            <a:scrgbClr r="0" g="0" b="0"/>
+          </a:fillRef>
+          <a:effectRef idx="0">
+            <a:scrgbClr r="0" g="0" b="0"/>
+          </a:effectRef>
+          <a:fontRef idx="minor"/>
+        </p:style>
+        <p:txBody>
+          <a:bodyPr lIns="90000" tIns="45000" rIns="90000" bIns="45000">
+            <a:noAutofit/>
+          </a:bodyPr>
+          <a:lstStyle/>
+          <a:p>
+            <a:pPr marL="171360" indent="-169920">
+              <a:lnSpc>
+                <a:spcPct val="100000"/>
+              </a:lnSpc>
+            </a:pPr>
+            <a:r>
+              <a:rPr lang="ja-JP" altLang="en-US" dirty="0"/>
+              <a:t>もっと知りたい人は</a:t>
+            </a:r>
+            <a:r>
+              <a:rPr lang="en-US" sz="1800" b="1" strike="noStrike" spc="-1" dirty="0" smtClean="0">
+                <a:solidFill>
+                  <a:srgbClr val="000000"/>
+                </a:solidFill>
+                <a:latin typeface="Arial"/>
+                <a:ea typeface="Arial"/>
+              </a:rPr>
+              <a:t>:</a:t>
+            </a:r>
+            <a:endParaRPr lang="en-US" sz="1800" b="0" strike="noStrike" spc="-1" dirty="0">
+              <a:latin typeface="Arial"/>
+            </a:endParaRPr>
+          </a:p>
+          <a:p>
+            <a:pPr marL="171360" indent="-182520">
+              <a:lnSpc>
+                <a:spcPct val="100000"/>
+              </a:lnSpc>
+              <a:spcBef>
+                <a:spcPts val="1001"/>
+              </a:spcBef>
+              <a:buClr>
+                <a:srgbClr val="879BAA"/>
+              </a:buClr>
+              <a:buFont typeface="Arial"/>
+              <a:buChar char="•"/>
+            </a:pPr>
+            <a:r>
+              <a:rPr lang="en-US" altLang="ja-JP" dirty="0"/>
+              <a:t>Open Source Automation Development Lab (OSADL) </a:t>
+            </a:r>
+            <a:r>
+              <a:rPr lang="ja-JP" altLang="en-US" dirty="0"/>
+              <a:t>が、さまざまなライセンスの義務条件データを公開しています。</a:t>
+            </a:r>
+            <a:r>
+              <a:rPr lang="en-US" altLang="ja-JP" dirty="0">
+                <a:hlinkClick r:id="rId2"/>
+              </a:rPr>
+              <a:t>https://www.osadl.org/Access-to-raw-data.oss-compliance-raw-data-access.0.html</a:t>
+            </a:r>
+            <a:r>
+              <a:rPr dirty="0"/>
+              <a:t/>
+            </a:r>
+            <a:br>
+              <a:rPr dirty="0"/>
+            </a:br>
+            <a:r>
+              <a:rPr lang="en-US" sz="1800" b="0" strike="noStrike" spc="-1" dirty="0">
+                <a:solidFill>
+                  <a:srgbClr val="000000"/>
+                </a:solidFill>
+                <a:latin typeface="Arial"/>
+                <a:ea typeface="DejaVu Sans"/>
+              </a:rPr>
+              <a:t> </a:t>
+            </a:r>
+            <a:endParaRPr lang="en-US" sz="1800" b="0" strike="noStrike" spc="-1" dirty="0">
+              <a:latin typeface="Arial"/>
+            </a:endParaRPr>
+          </a:p>
+        </p:txBody>
+      </p:sp>
     </p:spTree>
   </p:cSld>
   <p:clrMapOvr>
@@ -18130,44 +18241,49 @@
               <a:buChar char="•"/>
             </a:pPr>
             <a:r>
-              <a:rPr lang="ja-JP" altLang="en-US" i="1" spc="-1" dirty="0" smtClean="0">
-                <a:solidFill>
-                  <a:srgbClr val="000000"/>
-                </a:solidFill>
-                <a:latin typeface="Arial"/>
+              <a:rPr lang="ja-JP" altLang="en-US" i="1" spc="-1" dirty="0">
+                <a:solidFill>
+                  <a:srgbClr val="000000"/>
+                </a:solidFill>
                 <a:ea typeface="Arial"/>
               </a:rPr>
-              <a:t>面白おかしくしようとしたもの（または政治的な声明を主張したもの</a:t>
-            </a:r>
-            <a:r>
-              <a:rPr lang="en-US" altLang="ja-JP" i="1" spc="-1" dirty="0" smtClean="0">
-                <a:solidFill>
-                  <a:srgbClr val="000000"/>
-                </a:solidFill>
-                <a:latin typeface="Arial"/>
+              <a:t>面白さを狙って </a:t>
+            </a:r>
+            <a:r>
+              <a:rPr lang="en-US" altLang="ja-JP" i="1" spc="-1" dirty="0">
+                <a:solidFill>
+                  <a:srgbClr val="000000"/>
+                </a:solidFill>
                 <a:ea typeface="Arial"/>
               </a:rPr>
-              <a:t>)</a:t>
-            </a:r>
-            <a:r>
-              <a:rPr lang="ja-JP" altLang="en-US" i="1" spc="-1" dirty="0" smtClean="0">
-                <a:solidFill>
-                  <a:srgbClr val="000000"/>
-                </a:solidFill>
-                <a:latin typeface="Arial"/>
+              <a:t>(</a:t>
+            </a:r>
+            <a:r>
+              <a:rPr lang="ja-JP" altLang="en-US" i="1" spc="-1" dirty="0">
+                <a:solidFill>
+                  <a:srgbClr val="000000"/>
+                </a:solidFill>
                 <a:ea typeface="Arial"/>
               </a:rPr>
-              <a:t>はライセンス分析が難しい</a:t>
+              <a:t>あるいは政治的な主張を</a:t>
+            </a:r>
+            <a:r>
+              <a:rPr lang="en-US" altLang="ja-JP" i="1" spc="-1" dirty="0">
+                <a:solidFill>
+                  <a:srgbClr val="000000"/>
+                </a:solidFill>
+                <a:ea typeface="Arial"/>
+              </a:rPr>
+              <a:t>) </a:t>
             </a:r>
             <a:r>
               <a:rPr lang="ja-JP" altLang="en-US" i="1" spc="-1" dirty="0">
                 <a:solidFill>
                   <a:srgbClr val="000000"/>
                 </a:solidFill>
-                <a:latin typeface="Arial"/>
                 <a:ea typeface="Arial"/>
               </a:rPr>
-              <a:t>。</a:t>
+              <a:t>書かれたものは、ライセンス解析には厄介。</a:t>
             </a:r>
             <a:endParaRPr lang="en-US" sz="1800" b="0" i="1" strike="noStrike" spc="-1" dirty="0" smtClean="0">
               <a:solidFill>
@@ -18196,51 +18312,11 @@
                 <a:solidFill>
                   <a:srgbClr val="000000"/>
                 </a:solidFill>
-                <a:latin typeface="Arial"/>
                 <a:ea typeface="Arial"/>
               </a:rPr>
-              <a:t>問</a:t>
-            </a:r>
-            <a:r>
-              <a:rPr lang="en-US" sz="1800" b="0" i="1" strike="noStrike" spc="-1" dirty="0" smtClean="0">
-                <a:solidFill>
-                  <a:srgbClr val="000000"/>
-                </a:solidFill>
-                <a:latin typeface="Arial"/>
-                <a:ea typeface="Arial"/>
-              </a:rPr>
-              <a:t>: [</a:t>
-            </a:r>
-            <a:r>
-              <a:rPr lang="en-US" altLang="ja-JP" i="1" spc="-1" dirty="0" err="1">
-                <a:solidFill>
-                  <a:srgbClr val="000000"/>
-                </a:solidFill>
-                <a:ea typeface="Arial"/>
-              </a:rPr>
-              <a:t>parafernalia</a:t>
-            </a:r>
-            <a:r>
-              <a:rPr lang="en-US" sz="1800" b="0" i="1" strike="noStrike" spc="-1" dirty="0" smtClean="0">
-                <a:solidFill>
-                  <a:srgbClr val="000000"/>
-                </a:solidFill>
-                <a:latin typeface="Arial"/>
-                <a:ea typeface="Arial"/>
-              </a:rPr>
-              <a:t>]  </a:t>
-            </a:r>
-            <a:r>
-              <a:rPr lang="ja-JP" altLang="en-US" sz="1800" b="0" i="1" strike="noStrike" spc="-1" dirty="0" smtClean="0">
-                <a:solidFill>
-                  <a:srgbClr val="000000"/>
-                </a:solidFill>
-                <a:latin typeface="Arial"/>
-                <a:ea typeface="Arial"/>
-              </a:rPr>
-              <a:t>についての所有権は無視できるのか、あるいは由来を確認するべきなのか？</a:t>
-            </a:r>
-            <a:endParaRPr lang="en-US" sz="1800" b="0" i="1" strike="noStrike" spc="-1" dirty="0" smtClean="0">
+              <a:t>質問：これは無視して良いでしょうか、それとも、著作者はそのようなグッズの所有をチェックするのでしょうか？</a:t>
+            </a:r>
+            <a:endParaRPr lang="en-US" i="1" spc="-1" dirty="0">
               <a:solidFill>
                 <a:srgbClr val="000000"/>
               </a:solidFill>
@@ -18249,7 +18325,7 @@
             </a:endParaRPr>
           </a:p>
           <a:p>
-            <a:pPr marL="171360" indent="-183240">
+            <a:pPr>
               <a:lnSpc>
                 <a:spcPct val="100000"/>
               </a:lnSpc>
@@ -18259,35 +18335,60 @@
               <a:buClr>
                 <a:srgbClr val="000000"/>
               </a:buClr>
-              <a:buFont typeface="Arial"/>
-              <a:buChar char="•"/>
             </a:pPr>
             <a:endParaRPr lang="en-US" i="1" spc="-1" dirty="0">
               <a:solidFill>
                 <a:srgbClr val="000000"/>
               </a:solidFill>
               <a:latin typeface="Arial"/>
-              <a:ea typeface="Arial"/>
-            </a:endParaRPr>
-          </a:p>
-          <a:p>
-            <a:pPr>
-              <a:lnSpc>
-                <a:spcPct val="100000"/>
-              </a:lnSpc>
-              <a:spcBef>
-                <a:spcPts val="1001"/>
-              </a:spcBef>
-              <a:buClr>
-                <a:srgbClr val="000000"/>
-              </a:buClr>
-            </a:pPr>
-            <a:endParaRPr lang="en-US" i="1" spc="-1" dirty="0">
-              <a:solidFill>
-                <a:srgbClr val="000000"/>
-              </a:solidFill>
-              <a:latin typeface="Arial"/>
-            </a:endParaRPr>
+            </a:endParaRPr>
+          </a:p>
+        </p:txBody>
+      </p:sp>
+      <p:sp>
+        <p:nvSpPr>
+          <p:cNvPr id="2" name="テキスト ボックス 1"/>
+          <p:cNvSpPr txBox="1"/>
+          <p:nvPr/>
+        </p:nvSpPr>
+        <p:spPr>
+          <a:xfrm>
+            <a:off x="8609351" y="1623095"/>
+            <a:ext cx="3112957" cy="923330"/>
+          </a:xfrm>
+          <a:prstGeom prst="rect">
+            <a:avLst/>
+          </a:prstGeom>
+        </p:spPr>
+        <p:style>
+          <a:lnRef idx="2">
+            <a:schemeClr val="dk1"/>
+          </a:lnRef>
+          <a:fillRef idx="1">
+            <a:schemeClr val="lt1"/>
+          </a:fillRef>
+          <a:effectRef idx="0">
+            <a:schemeClr val="dk1"/>
+          </a:effectRef>
+          <a:fontRef idx="minor">
+            <a:schemeClr val="dk1"/>
+          </a:fontRef>
+        </p:style>
+        <p:txBody>
+          <a:bodyPr wrap="square" rtlCol="0">
+            <a:spAutoFit/>
+          </a:bodyPr>
+          <a:lstStyle/>
+          <a:p>
+            <a:r>
+              <a:rPr lang="ja-JP" altLang="en-US" dirty="0" smtClean="0"/>
+              <a:t>訳注：この</a:t>
+            </a:r>
+            <a:r>
+              <a:rPr lang="ja-JP" altLang="en-US" dirty="0"/>
+              <a:t>例では、チェ・ゲバラのグッズを持っている人の使用を禁止すると書いてある</a:t>
+            </a:r>
+            <a:endParaRPr kumimoji="1" lang="ja-JP" altLang="en-US" dirty="0"/>
           </a:p>
         </p:txBody>
       </p:sp>
@@ -18691,24 +18792,18 @@
               <a:buChar char="•"/>
             </a:pPr>
             <a:r>
-              <a:rPr lang="ja-JP" altLang="en-US" spc="-1" dirty="0" smtClean="0">
+              <a:rPr lang="ja-JP" altLang="en-US" dirty="0"/>
+              <a:t>レビューが必要な、極めて特別な例である</a:t>
+            </a:r>
+            <a:r>
+              <a:rPr lang="ja-JP" altLang="en-US" sz="1800" b="0" strike="noStrike" spc="-1" dirty="0" smtClean="0">
                 <a:solidFill>
                   <a:srgbClr val="000000"/>
                 </a:solidFill>
                 <a:latin typeface="Arial"/>
                 <a:ea typeface="Arial"/>
               </a:rPr>
-              <a:t>特別な</a:t>
-            </a:r>
-            <a:r>
-              <a:rPr lang="ja-JP" altLang="en-US" sz="1800" b="0" strike="noStrike" spc="-1" dirty="0" smtClean="0">
-                <a:solidFill>
-                  <a:srgbClr val="000000"/>
-                </a:solidFill>
-                <a:latin typeface="Arial"/>
-                <a:ea typeface="Arial"/>
-              </a:rPr>
-              <a:t>場合においては再レビューが必要となる。</a:t>
+              <a:t>。</a:t>
             </a:r>
             <a:endParaRPr lang="en-US" sz="1800" b="0" strike="noStrike" spc="-1" dirty="0" smtClean="0">
               <a:solidFill>

--- a/Module-A-JPN-Motivation.pptx
+++ b/Module-A-JPN-Motivation.pptx
@@ -7356,8 +7356,8 @@
                 <a:solidFill>
                   <a:srgbClr val="000000"/>
                 </a:solidFill>
-                <a:latin typeface="Open Sans"/>
-                <a:ea typeface="Open Sans"/>
+                <a:latin typeface="ＭＳ Ｐゴシック" panose="020B0600070205080204" pitchFamily="50" charset="-128"/>
+                <a:ea typeface="ＭＳ Ｐゴシック" panose="020B0600070205080204" pitchFamily="50" charset="-128"/>
               </a:rPr>
               <a:t>FOSSology: </a:t>
             </a:r>
@@ -7366,13 +7366,14 @@
                 <a:solidFill>
                   <a:srgbClr val="000000"/>
                 </a:solidFill>
-                <a:latin typeface="Open Sans"/>
-                <a:ea typeface="Open Sans"/>
+                <a:latin typeface="ＭＳ Ｐゴシック" panose="020B0600070205080204" pitchFamily="50" charset="-128"/>
+                <a:ea typeface="ＭＳ Ｐゴシック" panose="020B0600070205080204" pitchFamily="50" charset="-128"/>
               </a:rPr>
               <a:t>ライセンス分析</a:t>
             </a:r>
             <a:endParaRPr lang="en-US" sz="4800" b="0" strike="noStrike" spc="-1" dirty="0">
-              <a:latin typeface="Arial"/>
+              <a:latin typeface="ＭＳ Ｐゴシック" panose="020B0600070205080204" pitchFamily="50" charset="-128"/>
+              <a:ea typeface="ＭＳ Ｐゴシック" panose="020B0600070205080204" pitchFamily="50" charset="-128"/>
             </a:endParaRPr>
           </a:p>
         </p:txBody>
@@ -7422,8 +7423,8 @@
                 <a:solidFill>
                   <a:srgbClr val="111111"/>
                 </a:solidFill>
-                <a:latin typeface="Open Sans"/>
-                <a:ea typeface="Open Sans"/>
+                <a:latin typeface="ＭＳ ゴシック" panose="020B0609070205080204" pitchFamily="49" charset="-128"/>
+                <a:ea typeface="ＭＳ ゴシック" panose="020B0609070205080204" pitchFamily="49" charset="-128"/>
               </a:rPr>
               <a:t>Part I</a:t>
             </a:r>
@@ -7432,8 +7433,8 @@
                 <a:solidFill>
                   <a:srgbClr val="111111"/>
                 </a:solidFill>
-                <a:latin typeface="Open Sans"/>
-                <a:ea typeface="Open Sans"/>
+                <a:latin typeface="ＭＳ ゴシック" panose="020B0609070205080204" pitchFamily="49" charset="-128"/>
+                <a:ea typeface="ＭＳ ゴシック" panose="020B0609070205080204" pitchFamily="49" charset="-128"/>
               </a:rPr>
               <a:t>:</a:t>
             </a:r>
@@ -7442,8 +7443,8 @@
                 <a:solidFill>
                   <a:srgbClr val="111111"/>
                 </a:solidFill>
-                <a:latin typeface="Open Sans"/>
-                <a:ea typeface="Open Sans"/>
+                <a:latin typeface="ＭＳ ゴシック" panose="020B0609070205080204" pitchFamily="49" charset="-128"/>
+                <a:ea typeface="ＭＳ ゴシック" panose="020B0609070205080204" pitchFamily="49" charset="-128"/>
               </a:rPr>
               <a:t>なぜライセンスを見る必要があるのか</a:t>
             </a:r>
@@ -7452,13 +7453,14 @@
                 <a:solidFill>
                   <a:srgbClr val="111111"/>
                 </a:solidFill>
-                <a:latin typeface="Open Sans"/>
-                <a:ea typeface="Open Sans"/>
+                <a:latin typeface="ＭＳ ゴシック" panose="020B0609070205080204" pitchFamily="49" charset="-128"/>
+                <a:ea typeface="ＭＳ ゴシック" panose="020B0609070205080204" pitchFamily="49" charset="-128"/>
               </a:rPr>
               <a:t>?</a:t>
             </a:r>
             <a:endParaRPr lang="en-US" sz="2400" b="0" strike="noStrike" spc="-1" dirty="0">
-              <a:latin typeface="Arial"/>
+              <a:latin typeface="ＭＳ ゴシック" panose="020B0609070205080204" pitchFamily="49" charset="-128"/>
+              <a:ea typeface="ＭＳ ゴシック" panose="020B0609070205080204" pitchFamily="49" charset="-128"/>
             </a:endParaRPr>
           </a:p>
         </p:txBody>
@@ -8255,8 +8257,8 @@
         </p:nvSpPr>
         <p:spPr>
           <a:xfrm>
-            <a:off x="7487280" y="1673280"/>
-            <a:ext cx="3920760" cy="3576600"/>
+            <a:off x="7487279" y="1673280"/>
+            <a:ext cx="4489861" cy="2389054"/>
           </a:xfrm>
           <a:prstGeom prst="rect">
             <a:avLst/>
@@ -8289,8 +8291,8 @@
         </p:nvSpPr>
         <p:spPr>
           <a:xfrm>
-            <a:off x="7487280" y="1830952"/>
-            <a:ext cx="4338600" cy="3196096"/>
+            <a:off x="7424403" y="1727469"/>
+            <a:ext cx="4615611" cy="3196096"/>
           </a:xfrm>
           <a:prstGeom prst="rect">
             <a:avLst/>
@@ -8384,8 +8386,8 @@
                 <a:solidFill>
                   <a:srgbClr val="000000"/>
                 </a:solidFill>
-                <a:latin typeface="Arial"/>
-                <a:ea typeface="Arial"/>
+                <a:latin typeface="ＭＳ ゴシック" panose="020B0609070205080204" pitchFamily="49" charset="-128"/>
+                <a:ea typeface="ＭＳ ゴシック" panose="020B0609070205080204" pitchFamily="49" charset="-128"/>
               </a:rPr>
               <a:t>MIT</a:t>
             </a:r>
@@ -8394,8 +8396,8 @@
                 <a:solidFill>
                   <a:srgbClr val="000000"/>
                 </a:solidFill>
-                <a:latin typeface="Arial"/>
-                <a:ea typeface="Arial"/>
+                <a:latin typeface="ＭＳ ゴシック" panose="020B0609070205080204" pitchFamily="49" charset="-128"/>
+                <a:ea typeface="ＭＳ ゴシック" panose="020B0609070205080204" pitchFamily="49" charset="-128"/>
               </a:rPr>
               <a:t>ライセンステキストに基づいている</a:t>
             </a:r>
@@ -8403,8 +8405,8 @@
               <a:solidFill>
                 <a:srgbClr val="000000"/>
               </a:solidFill>
-              <a:latin typeface="Arial"/>
-              <a:ea typeface="Arial"/>
+              <a:latin typeface="ＭＳ ゴシック" panose="020B0609070205080204" pitchFamily="49" charset="-128"/>
+              <a:ea typeface="ＭＳ ゴシック" panose="020B0609070205080204" pitchFamily="49" charset="-128"/>
             </a:endParaRPr>
           </a:p>
           <a:p>
@@ -8426,8 +8428,8 @@
                 <a:solidFill>
                   <a:srgbClr val="000000"/>
                 </a:solidFill>
-                <a:latin typeface="Arial"/>
-                <a:ea typeface="Arial"/>
+                <a:latin typeface="ＭＳ ゴシック" panose="020B0609070205080204" pitchFamily="49" charset="-128"/>
+                <a:ea typeface="ＭＳ ゴシック" panose="020B0609070205080204" pitchFamily="49" charset="-128"/>
               </a:rPr>
               <a:t>MIT </a:t>
             </a:r>
@@ -8436,8 +8438,8 @@
                 <a:solidFill>
                   <a:srgbClr val="000000"/>
                 </a:solidFill>
-                <a:latin typeface="Arial"/>
-                <a:ea typeface="Arial"/>
+                <a:latin typeface="ＭＳ ゴシック" panose="020B0609070205080204" pitchFamily="49" charset="-128"/>
+                <a:ea typeface="ＭＳ ゴシック" panose="020B0609070205080204" pitchFamily="49" charset="-128"/>
               </a:rPr>
               <a:t>license: </a:t>
             </a:r>
@@ -8446,8 +8448,8 @@
                 <a:solidFill>
                   <a:srgbClr val="000000"/>
                 </a:solidFill>
-                <a:latin typeface="Arial"/>
-                <a:ea typeface="Arial"/>
+                <a:latin typeface="ＭＳ ゴシック" panose="020B0609070205080204" pitchFamily="49" charset="-128"/>
+                <a:ea typeface="ＭＳ ゴシック" panose="020B0609070205080204" pitchFamily="49" charset="-128"/>
               </a:rPr>
               <a:t>著名</a:t>
             </a:r>
@@ -8456,8 +8458,8 @@
                 <a:solidFill>
                   <a:srgbClr val="000000"/>
                 </a:solidFill>
-                <a:latin typeface="Arial"/>
-                <a:ea typeface="Arial"/>
+                <a:latin typeface="ＭＳ ゴシック" panose="020B0609070205080204" pitchFamily="49" charset="-128"/>
+                <a:ea typeface="ＭＳ ゴシック" panose="020B0609070205080204" pitchFamily="49" charset="-128"/>
               </a:rPr>
               <a:t> </a:t>
             </a:r>
@@ -8466,18 +8468,35 @@
                 <a:solidFill>
                   <a:srgbClr val="000000"/>
                 </a:solidFill>
-                <a:latin typeface="Arial"/>
-                <a:ea typeface="Arial"/>
-              </a:rPr>
-              <a:t>でパーミティブ　</a:t>
+                <a:latin typeface="ＭＳ ゴシック" panose="020B0609070205080204" pitchFamily="49" charset="-128"/>
+                <a:ea typeface="ＭＳ ゴシック" panose="020B0609070205080204" pitchFamily="49" charset="-128"/>
+              </a:rPr>
+              <a:t>で</a:t>
+            </a:r>
+            <a:r>
+              <a:rPr lang="ja-JP" altLang="en-US" dirty="0">
+                <a:latin typeface="ＭＳ ゴシック" panose="020B0609070205080204" pitchFamily="49" charset="-128"/>
+                <a:ea typeface="ＭＳ ゴシック" panose="020B0609070205080204" pitchFamily="49" charset="-128"/>
+              </a:rPr>
+              <a:t>パーミッシブ</a:t>
+            </a:r>
+            <a:r>
+              <a:rPr lang="ja-JP" altLang="en-US" sz="1600" b="0" strike="noStrike" spc="-1" dirty="0" smtClean="0">
+                <a:solidFill>
+                  <a:srgbClr val="000000"/>
+                </a:solidFill>
+                <a:latin typeface="ＭＳ ゴシック" panose="020B0609070205080204" pitchFamily="49" charset="-128"/>
+                <a:ea typeface="ＭＳ ゴシック" panose="020B0609070205080204" pitchFamily="49" charset="-128"/>
+              </a:rPr>
+              <a:t>　</a:t>
             </a:r>
             <a:r>
               <a:rPr lang="en-US" altLang="ja-JP" sz="1600" b="0" strike="noStrike" spc="-1" dirty="0" smtClean="0">
                 <a:solidFill>
                   <a:srgbClr val="000000"/>
                 </a:solidFill>
-                <a:latin typeface="Arial"/>
-                <a:ea typeface="Arial"/>
+                <a:latin typeface="ＭＳ ゴシック" panose="020B0609070205080204" pitchFamily="49" charset="-128"/>
+                <a:ea typeface="ＭＳ ゴシック" panose="020B0609070205080204" pitchFamily="49" charset="-128"/>
               </a:rPr>
               <a:t>(</a:t>
             </a:r>
@@ -8486,8 +8505,8 @@
                 <a:solidFill>
                   <a:srgbClr val="000000"/>
                 </a:solidFill>
-                <a:latin typeface="Arial"/>
-                <a:ea typeface="Arial"/>
+                <a:latin typeface="ＭＳ ゴシック" panose="020B0609070205080204" pitchFamily="49" charset="-128"/>
+                <a:ea typeface="ＭＳ ゴシック" panose="020B0609070205080204" pitchFamily="49" charset="-128"/>
               </a:rPr>
               <a:t>寛容</a:t>
             </a:r>
@@ -8496,8 +8515,8 @@
                 <a:solidFill>
                   <a:srgbClr val="000000"/>
                 </a:solidFill>
-                <a:latin typeface="Arial"/>
-                <a:ea typeface="Arial"/>
+                <a:latin typeface="ＭＳ ゴシック" panose="020B0609070205080204" pitchFamily="49" charset="-128"/>
+                <a:ea typeface="ＭＳ ゴシック" panose="020B0609070205080204" pitchFamily="49" charset="-128"/>
               </a:rPr>
               <a:t>)</a:t>
             </a:r>
@@ -8505,8 +8524,8 @@
               <a:solidFill>
                 <a:srgbClr val="000000"/>
               </a:solidFill>
-              <a:latin typeface="Arial"/>
-              <a:ea typeface="Arial"/>
+              <a:latin typeface="ＭＳ ゴシック" panose="020B0609070205080204" pitchFamily="49" charset="-128"/>
+              <a:ea typeface="ＭＳ ゴシック" panose="020B0609070205080204" pitchFamily="49" charset="-128"/>
             </a:endParaRPr>
           </a:p>
           <a:p>
@@ -8528,8 +8547,8 @@
                 <a:solidFill>
                   <a:srgbClr val="000000"/>
                 </a:solidFill>
-                <a:latin typeface="Arial"/>
-                <a:ea typeface="Arial"/>
+                <a:latin typeface="ＭＳ ゴシック" panose="020B0609070205080204" pitchFamily="49" charset="-128"/>
+                <a:ea typeface="ＭＳ ゴシック" panose="020B0609070205080204" pitchFamily="49" charset="-128"/>
               </a:rPr>
               <a:t>元のライセンステキストに</a:t>
             </a:r>
@@ -8538,8 +8557,8 @@
                 <a:solidFill>
                   <a:srgbClr val="000000"/>
                 </a:solidFill>
-                <a:latin typeface="Arial"/>
-                <a:ea typeface="Arial"/>
+                <a:latin typeface="ＭＳ ゴシック" panose="020B0609070205080204" pitchFamily="49" charset="-128"/>
+                <a:ea typeface="ＭＳ ゴシック" panose="020B0609070205080204" pitchFamily="49" charset="-128"/>
               </a:rPr>
               <a:t>2</a:t>
             </a:r>
@@ -8548,13 +8567,14 @@
                 <a:solidFill>
                   <a:srgbClr val="000000"/>
                 </a:solidFill>
-                <a:latin typeface="Arial"/>
-                <a:ea typeface="Arial"/>
+                <a:latin typeface="ＭＳ ゴシック" panose="020B0609070205080204" pitchFamily="49" charset="-128"/>
+                <a:ea typeface="ＭＳ ゴシック" panose="020B0609070205080204" pitchFamily="49" charset="-128"/>
               </a:rPr>
               <a:t>つ条件が不可</a:t>
             </a:r>
             <a:endParaRPr lang="en-US" sz="1600" b="0" strike="noStrike" spc="-1" dirty="0" smtClean="0">
-              <a:latin typeface="Arial"/>
+              <a:latin typeface="ＭＳ ゴシック" panose="020B0609070205080204" pitchFamily="49" charset="-128"/>
+              <a:ea typeface="ＭＳ ゴシック" panose="020B0609070205080204" pitchFamily="49" charset="-128"/>
             </a:endParaRPr>
           </a:p>
           <a:p>
@@ -8573,13 +8593,16 @@
                 <a:solidFill>
                   <a:srgbClr val="000000"/>
                 </a:solidFill>
-                <a:latin typeface="Arial"/>
-                <a:ea typeface="Arial"/>
+                <a:latin typeface="ＭＳ ゴシック" panose="020B0609070205080204" pitchFamily="49" charset="-128"/>
+                <a:ea typeface="ＭＳ ゴシック" panose="020B0609070205080204" pitchFamily="49" charset="-128"/>
               </a:rPr>
               <a:t>(</a:t>
             </a:r>
             <a:r>
-              <a:rPr lang="ja-JP" altLang="en-US" dirty="0"/>
+              <a:rPr lang="ja-JP" altLang="en-US" dirty="0">
+                <a:latin typeface="ＭＳ ゴシック" panose="020B0609070205080204" pitchFamily="49" charset="-128"/>
+                <a:ea typeface="ＭＳ ゴシック" panose="020B0609070205080204" pitchFamily="49" charset="-128"/>
+              </a:rPr>
               <a:t> パーミッシブ</a:t>
             </a:r>
             <a:r>
@@ -8587,33 +8610,24 @@
                 <a:solidFill>
                   <a:srgbClr val="000000"/>
                 </a:solidFill>
-                <a:latin typeface="Arial"/>
-                <a:ea typeface="Arial"/>
-              </a:rPr>
-              <a:t>で</a:t>
-            </a:r>
-            <a:r>
-              <a:rPr lang="ja-JP" altLang="en-US" sz="1600" b="0" strike="noStrike" spc="-1" dirty="0" smtClean="0">
-                <a:solidFill>
-                  <a:srgbClr val="000000"/>
-                </a:solidFill>
-                <a:latin typeface="Arial"/>
-                <a:ea typeface="Arial"/>
-              </a:rPr>
-              <a:t>ない</a:t>
+                <a:latin typeface="ＭＳ ゴシック" panose="020B0609070205080204" pitchFamily="49" charset="-128"/>
+                <a:ea typeface="ＭＳ ゴシック" panose="020B0609070205080204" pitchFamily="49" charset="-128"/>
+              </a:rPr>
+              <a:t>でない</a:t>
             </a:r>
             <a:r>
               <a:rPr lang="en-US" sz="1600" b="0" strike="noStrike" spc="-1" dirty="0" smtClean="0">
                 <a:solidFill>
                   <a:srgbClr val="000000"/>
                 </a:solidFill>
-                <a:latin typeface="Arial"/>
-                <a:ea typeface="Arial"/>
+                <a:latin typeface="ＭＳ ゴシック" panose="020B0609070205080204" pitchFamily="49" charset="-128"/>
+                <a:ea typeface="ＭＳ ゴシック" panose="020B0609070205080204" pitchFamily="49" charset="-128"/>
               </a:rPr>
               <a:t>)</a:t>
             </a:r>
             <a:endParaRPr lang="en-US" sz="1600" b="0" strike="noStrike" spc="-1" dirty="0">
-              <a:latin typeface="Arial"/>
+              <a:latin typeface="ＭＳ ゴシック" panose="020B0609070205080204" pitchFamily="49" charset="-128"/>
+              <a:ea typeface="ＭＳ ゴシック" panose="020B0609070205080204" pitchFamily="49" charset="-128"/>
             </a:endParaRPr>
           </a:p>
           <a:p>
@@ -8635,12 +8649,14 @@
                 <a:solidFill>
                   <a:srgbClr val="000000"/>
                 </a:solidFill>
-                <a:ea typeface="Arial"/>
+                <a:latin typeface="ＭＳ ゴシック" panose="020B0609070205080204" pitchFamily="49" charset="-128"/>
+                <a:ea typeface="ＭＳ ゴシック" panose="020B0609070205080204" pitchFamily="49" charset="-128"/>
               </a:rPr>
               <a:t>正規表現のマッチングでは識別が非常に難しい</a:t>
             </a:r>
             <a:endParaRPr lang="en-US" sz="1600" b="0" strike="noStrike" spc="-1" dirty="0">
-              <a:latin typeface="Arial"/>
+              <a:latin typeface="ＭＳ ゴシック" panose="020B0609070205080204" pitchFamily="49" charset="-128"/>
+              <a:ea typeface="ＭＳ ゴシック" panose="020B0609070205080204" pitchFamily="49" charset="-128"/>
             </a:endParaRPr>
           </a:p>
         </p:txBody>
@@ -10335,7 +10351,8 @@
                 <a:solidFill>
                   <a:srgbClr val="000000"/>
                 </a:solidFill>
-                <a:latin typeface="Arial"/>
+                <a:latin typeface="ＭＳ ゴシック" panose="020B0609070205080204" pitchFamily="49" charset="-128"/>
+                <a:ea typeface="ＭＳ ゴシック" panose="020B0609070205080204" pitchFamily="49" charset="-128"/>
               </a:rPr>
               <a:t>表記</a:t>
             </a:r>
@@ -10344,7 +10361,8 @@
                 <a:solidFill>
                   <a:srgbClr val="000000"/>
                 </a:solidFill>
-                <a:latin typeface="Arial"/>
+                <a:latin typeface="ＭＳ ゴシック" panose="020B0609070205080204" pitchFamily="49" charset="-128"/>
+                <a:ea typeface="ＭＳ ゴシック" panose="020B0609070205080204" pitchFamily="49" charset="-128"/>
               </a:rPr>
               <a:t>が</a:t>
             </a:r>
@@ -10353,7 +10371,8 @@
                 <a:solidFill>
                   <a:srgbClr val="000000"/>
                 </a:solidFill>
-                <a:latin typeface="Arial"/>
+                <a:latin typeface="ＭＳ ゴシック" panose="020B0609070205080204" pitchFamily="49" charset="-128"/>
+                <a:ea typeface="ＭＳ ゴシック" panose="020B0609070205080204" pitchFamily="49" charset="-128"/>
               </a:rPr>
               <a:t>不完全</a:t>
             </a:r>
@@ -10362,7 +10381,8 @@
                 <a:solidFill>
                   <a:srgbClr val="000000"/>
                 </a:solidFill>
-                <a:latin typeface="Arial"/>
+                <a:latin typeface="ＭＳ ゴシック" panose="020B0609070205080204" pitchFamily="49" charset="-128"/>
+                <a:ea typeface="ＭＳ ゴシック" panose="020B0609070205080204" pitchFamily="49" charset="-128"/>
               </a:rPr>
               <a:t>な</a:t>
             </a:r>
@@ -10371,12 +10391,14 @@
                 <a:solidFill>
                   <a:srgbClr val="000000"/>
                 </a:solidFill>
-                <a:latin typeface="Arial"/>
+                <a:latin typeface="ＭＳ ゴシック" panose="020B0609070205080204" pitchFamily="49" charset="-128"/>
+                <a:ea typeface="ＭＳ ゴシック" panose="020B0609070205080204" pitchFamily="49" charset="-128"/>
               </a:rPr>
               <a:t>例</a:t>
             </a:r>
             <a:endParaRPr lang="en-US" sz="1670" b="0" strike="noStrike" spc="-1" dirty="0" smtClean="0">
-              <a:latin typeface="Arial"/>
+              <a:latin typeface="ＭＳ ゴシック" panose="020B0609070205080204" pitchFamily="49" charset="-128"/>
+              <a:ea typeface="ＭＳ ゴシック" panose="020B0609070205080204" pitchFamily="49" charset="-128"/>
             </a:endParaRPr>
           </a:p>
           <a:p>
@@ -10395,12 +10417,14 @@
                 <a:solidFill>
                   <a:srgbClr val="000000"/>
                 </a:solidFill>
-                <a:latin typeface="Arial"/>
+                <a:latin typeface="ＭＳ ゴシック" panose="020B0609070205080204" pitchFamily="49" charset="-128"/>
+                <a:ea typeface="ＭＳ ゴシック" panose="020B0609070205080204" pitchFamily="49" charset="-128"/>
               </a:rPr>
               <a:t>西暦がない</a:t>
             </a:r>
             <a:endParaRPr lang="en-US" sz="1670" b="0" strike="noStrike" spc="-1" dirty="0">
-              <a:latin typeface="Arial"/>
+              <a:latin typeface="ＭＳ ゴシック" panose="020B0609070205080204" pitchFamily="49" charset="-128"/>
+              <a:ea typeface="ＭＳ ゴシック" panose="020B0609070205080204" pitchFamily="49" charset="-128"/>
             </a:endParaRPr>
           </a:p>
           <a:p>
@@ -10419,8 +10443,8 @@
                 <a:solidFill>
                   <a:srgbClr val="000000"/>
                 </a:solidFill>
-                <a:latin typeface="Arial"/>
-                <a:ea typeface="Arial"/>
+                <a:latin typeface="ＭＳ ゴシック" panose="020B0609070205080204" pitchFamily="49" charset="-128"/>
+                <a:ea typeface="ＭＳ ゴシック" panose="020B0609070205080204" pitchFamily="49" charset="-128"/>
               </a:rPr>
               <a:t>個</a:t>
             </a:r>
@@ -10429,8 +10453,8 @@
                 <a:solidFill>
                   <a:srgbClr val="000000"/>
                 </a:solidFill>
-                <a:latin typeface="Arial"/>
-                <a:ea typeface="Arial"/>
+                <a:latin typeface="ＭＳ ゴシック" panose="020B0609070205080204" pitchFamily="49" charset="-128"/>
+                <a:ea typeface="ＭＳ ゴシック" panose="020B0609070205080204" pitchFamily="49" charset="-128"/>
               </a:rPr>
               <a:t>人</a:t>
             </a:r>
@@ -10439,8 +10463,8 @@
                 <a:solidFill>
                   <a:srgbClr val="000000"/>
                 </a:solidFill>
-                <a:latin typeface="Arial"/>
-                <a:ea typeface="Arial"/>
+                <a:latin typeface="ＭＳ ゴシック" panose="020B0609070205080204" pitchFamily="49" charset="-128"/>
+                <a:ea typeface="ＭＳ ゴシック" panose="020B0609070205080204" pitchFamily="49" charset="-128"/>
               </a:rPr>
               <a:t>名</a:t>
             </a:r>
@@ -10449,8 +10473,8 @@
                 <a:solidFill>
                   <a:srgbClr val="000000"/>
                 </a:solidFill>
-                <a:latin typeface="Arial"/>
-                <a:ea typeface="Arial"/>
+                <a:latin typeface="ＭＳ ゴシック" panose="020B0609070205080204" pitchFamily="49" charset="-128"/>
+                <a:ea typeface="ＭＳ ゴシック" panose="020B0609070205080204" pitchFamily="49" charset="-128"/>
               </a:rPr>
               <a:t> </a:t>
             </a:r>
@@ -10459,8 +10483,8 @@
                 <a:solidFill>
                   <a:srgbClr val="000000"/>
                 </a:solidFill>
-                <a:latin typeface="Arial"/>
-                <a:ea typeface="Arial"/>
+                <a:latin typeface="ＭＳ ゴシック" panose="020B0609070205080204" pitchFamily="49" charset="-128"/>
+                <a:ea typeface="ＭＳ ゴシック" panose="020B0609070205080204" pitchFamily="49" charset="-128"/>
               </a:rPr>
               <a:t>や</a:t>
             </a:r>
@@ -10469,8 +10493,8 @@
                 <a:solidFill>
                   <a:srgbClr val="000000"/>
                 </a:solidFill>
-                <a:latin typeface="Arial"/>
-                <a:ea typeface="Arial"/>
+                <a:latin typeface="ＭＳ ゴシック" panose="020B0609070205080204" pitchFamily="49" charset="-128"/>
+                <a:ea typeface="ＭＳ ゴシック" panose="020B0609070205080204" pitchFamily="49" charset="-128"/>
               </a:rPr>
               <a:t> </a:t>
             </a:r>
@@ -10479,8 +10503,8 @@
                 <a:solidFill>
                   <a:srgbClr val="000000"/>
                 </a:solidFill>
-                <a:latin typeface="Arial"/>
-                <a:ea typeface="Arial"/>
+                <a:latin typeface="ＭＳ ゴシック" panose="020B0609070205080204" pitchFamily="49" charset="-128"/>
+                <a:ea typeface="ＭＳ ゴシック" panose="020B0609070205080204" pitchFamily="49" charset="-128"/>
               </a:rPr>
               <a:t>組織名</a:t>
             </a:r>
@@ -10489,13 +10513,14 @@
                 <a:solidFill>
                   <a:srgbClr val="000000"/>
                 </a:solidFill>
-                <a:latin typeface="Arial"/>
-                <a:ea typeface="Arial"/>
+                <a:latin typeface="ＭＳ ゴシック" panose="020B0609070205080204" pitchFamily="49" charset="-128"/>
+                <a:ea typeface="ＭＳ ゴシック" panose="020B0609070205080204" pitchFamily="49" charset="-128"/>
               </a:rPr>
               <a:t>がない</a:t>
             </a:r>
             <a:endParaRPr lang="en-US" sz="1670" b="0" strike="noStrike" spc="-1" dirty="0">
-              <a:latin typeface="Arial"/>
+              <a:latin typeface="ＭＳ ゴシック" panose="020B0609070205080204" pitchFamily="49" charset="-128"/>
+              <a:ea typeface="ＭＳ ゴシック" panose="020B0609070205080204" pitchFamily="49" charset="-128"/>
             </a:endParaRPr>
           </a:p>
           <a:p>
@@ -10517,13 +10542,14 @@
                 <a:solidFill>
                   <a:srgbClr val="000000"/>
                 </a:solidFill>
-                <a:latin typeface="Arial"/>
-                <a:ea typeface="Arial"/>
+                <a:latin typeface="ＭＳ ゴシック" panose="020B0609070205080204" pitchFamily="49" charset="-128"/>
+                <a:ea typeface="ＭＳ ゴシック" panose="020B0609070205080204" pitchFamily="49" charset="-128"/>
               </a:rPr>
               <a:t>コピーライト表記が無い</a:t>
             </a:r>
             <a:endParaRPr lang="en-US" sz="1670" b="0" strike="noStrike" spc="-1" dirty="0" smtClean="0">
-              <a:latin typeface="Arial"/>
+              <a:latin typeface="ＭＳ ゴシック" panose="020B0609070205080204" pitchFamily="49" charset="-128"/>
+              <a:ea typeface="ＭＳ ゴシック" panose="020B0609070205080204" pitchFamily="49" charset="-128"/>
             </a:endParaRPr>
           </a:p>
           <a:p>
@@ -10542,8 +10568,8 @@
                 <a:solidFill>
                   <a:srgbClr val="000000"/>
                 </a:solidFill>
-                <a:latin typeface="Arial"/>
-                <a:ea typeface="Arial"/>
+                <a:latin typeface="ＭＳ ゴシック" panose="020B0609070205080204" pitchFamily="49" charset="-128"/>
+                <a:ea typeface="ＭＳ ゴシック" panose="020B0609070205080204" pitchFamily="49" charset="-128"/>
               </a:rPr>
               <a:t>(</a:t>
             </a:r>
@@ -10552,8 +10578,8 @@
                 <a:solidFill>
                   <a:srgbClr val="000000"/>
                 </a:solidFill>
-                <a:latin typeface="Arial"/>
-                <a:ea typeface="Arial"/>
+                <a:latin typeface="ＭＳ ゴシック" panose="020B0609070205080204" pitchFamily="49" charset="-128"/>
+                <a:ea typeface="ＭＳ ゴシック" panose="020B0609070205080204" pitchFamily="49" charset="-128"/>
               </a:rPr>
               <a:t>繰り返すが</a:t>
             </a:r>
@@ -10562,8 +10588,8 @@
                 <a:solidFill>
                   <a:srgbClr val="000000"/>
                 </a:solidFill>
-                <a:latin typeface="Arial"/>
-                <a:ea typeface="Arial"/>
+                <a:latin typeface="ＭＳ ゴシック" panose="020B0609070205080204" pitchFamily="49" charset="-128"/>
+                <a:ea typeface="ＭＳ ゴシック" panose="020B0609070205080204" pitchFamily="49" charset="-128"/>
               </a:rPr>
               <a:t>)</a:t>
             </a:r>
@@ -10572,8 +10598,8 @@
                 <a:solidFill>
                   <a:srgbClr val="000000"/>
                 </a:solidFill>
-                <a:latin typeface="Arial"/>
-                <a:ea typeface="Arial"/>
+                <a:latin typeface="ＭＳ ゴシック" panose="020B0609070205080204" pitchFamily="49" charset="-128"/>
+                <a:ea typeface="ＭＳ ゴシック" panose="020B0609070205080204" pitchFamily="49" charset="-128"/>
               </a:rPr>
             </a:br>
             <a:r>
@@ -10581,8 +10607,8 @@
                 <a:solidFill>
                   <a:srgbClr val="000000"/>
                 </a:solidFill>
-                <a:latin typeface="Arial"/>
-                <a:ea typeface="Arial"/>
+                <a:latin typeface="ＭＳ ゴシック" panose="020B0609070205080204" pitchFamily="49" charset="-128"/>
+                <a:ea typeface="ＭＳ ゴシック" panose="020B0609070205080204" pitchFamily="49" charset="-128"/>
               </a:rPr>
               <a:t>誰のファイル？誰が書いたの</a:t>
             </a:r>
@@ -10591,8 +10617,8 @@
                 <a:solidFill>
                   <a:srgbClr val="000000"/>
                 </a:solidFill>
-                <a:latin typeface="Arial"/>
-                <a:ea typeface="Arial"/>
+                <a:latin typeface="ＭＳ ゴシック" panose="020B0609070205080204" pitchFamily="49" charset="-128"/>
+                <a:ea typeface="ＭＳ ゴシック" panose="020B0609070205080204" pitchFamily="49" charset="-128"/>
               </a:rPr>
               <a:t>？</a:t>
             </a:r>
@@ -10601,8 +10627,8 @@
                 <a:solidFill>
                   <a:srgbClr val="000000"/>
                 </a:solidFill>
-                <a:latin typeface="Arial"/>
-                <a:ea typeface="Arial"/>
+                <a:latin typeface="ＭＳ ゴシック" panose="020B0609070205080204" pitchFamily="49" charset="-128"/>
+                <a:ea typeface="ＭＳ ゴシック" panose="020B0609070205080204" pitchFamily="49" charset="-128"/>
               </a:rPr>
               <a:t> </a:t>
             </a:r>
@@ -10626,8 +10652,8 @@
                 <a:solidFill>
                   <a:srgbClr val="000000"/>
                 </a:solidFill>
-                <a:latin typeface="Arial"/>
-                <a:ea typeface="Arial"/>
+                <a:latin typeface="ＭＳ ゴシック" panose="020B0609070205080204" pitchFamily="49" charset="-128"/>
+                <a:ea typeface="ＭＳ ゴシック" panose="020B0609070205080204" pitchFamily="49" charset="-128"/>
               </a:rPr>
               <a:t>ファイルごとの曖昧なコピーライト情報</a:t>
             </a:r>
@@ -10635,8 +10661,8 @@
               <a:solidFill>
                 <a:srgbClr val="000000"/>
               </a:solidFill>
-              <a:latin typeface="Arial"/>
-              <a:ea typeface="Arial"/>
+              <a:latin typeface="ＭＳ ゴシック" panose="020B0609070205080204" pitchFamily="49" charset="-128"/>
+              <a:ea typeface="ＭＳ ゴシック" panose="020B0609070205080204" pitchFamily="49" charset="-128"/>
             </a:endParaRPr>
           </a:p>
           <a:p>
@@ -10655,8 +10681,8 @@
                 <a:solidFill>
                   <a:srgbClr val="000000"/>
                 </a:solidFill>
-                <a:latin typeface="Arial"/>
-                <a:ea typeface="Arial"/>
+                <a:latin typeface="ＭＳ ゴシック" panose="020B0609070205080204" pitchFamily="49" charset="-128"/>
+                <a:ea typeface="ＭＳ ゴシック" panose="020B0609070205080204" pitchFamily="49" charset="-128"/>
               </a:rPr>
               <a:t>コピーライト、コピーライト記号、西暦、</a:t>
             </a:r>
@@ -10665,8 +10691,8 @@
                 <a:solidFill>
                   <a:srgbClr val="000000"/>
                 </a:solidFill>
-                <a:latin typeface="Arial"/>
-                <a:ea typeface="Arial"/>
+                <a:latin typeface="ＭＳ ゴシック" panose="020B0609070205080204" pitchFamily="49" charset="-128"/>
+                <a:ea typeface="ＭＳ ゴシック" panose="020B0609070205080204" pitchFamily="49" charset="-128"/>
               </a:rPr>
               <a:t/>
             </a:r>
@@ -10675,8 +10701,8 @@
                 <a:solidFill>
                   <a:srgbClr val="000000"/>
                 </a:solidFill>
-                <a:latin typeface="Arial"/>
-                <a:ea typeface="Arial"/>
+                <a:latin typeface="ＭＳ ゴシック" panose="020B0609070205080204" pitchFamily="49" charset="-128"/>
+                <a:ea typeface="ＭＳ ゴシック" panose="020B0609070205080204" pitchFamily="49" charset="-128"/>
               </a:rPr>
             </a:br>
             <a:r>
@@ -10684,8 +10710,8 @@
                 <a:solidFill>
                   <a:srgbClr val="000000"/>
                 </a:solidFill>
-                <a:latin typeface="Arial"/>
-                <a:ea typeface="Arial"/>
+                <a:latin typeface="ＭＳ ゴシック" panose="020B0609070205080204" pitchFamily="49" charset="-128"/>
+                <a:ea typeface="ＭＳ ゴシック" panose="020B0609070205080204" pitchFamily="49" charset="-128"/>
               </a:rPr>
               <a:t>個人名、あるいは組織名</a:t>
             </a:r>
@@ -10693,8 +10719,8 @@
               <a:solidFill>
                 <a:srgbClr val="000000"/>
               </a:solidFill>
-              <a:latin typeface="Arial"/>
-              <a:ea typeface="Arial"/>
+              <a:latin typeface="ＭＳ ゴシック" panose="020B0609070205080204" pitchFamily="49" charset="-128"/>
+              <a:ea typeface="ＭＳ ゴシック" panose="020B0609070205080204" pitchFamily="49" charset="-128"/>
             </a:endParaRPr>
           </a:p>
           <a:p>
@@ -10713,13 +10739,14 @@
                 <a:solidFill>
                   <a:srgbClr val="000000"/>
                 </a:solidFill>
-                <a:latin typeface="Arial"/>
-                <a:ea typeface="Arial"/>
+                <a:latin typeface="ＭＳ ゴシック" panose="020B0609070205080204" pitchFamily="49" charset="-128"/>
+                <a:ea typeface="ＭＳ ゴシック" panose="020B0609070205080204" pitchFamily="49" charset="-128"/>
               </a:rPr>
               <a:t>ベルン条約によってカバーされている共通理解</a:t>
             </a:r>
             <a:endParaRPr lang="en-US" sz="1670" b="0" strike="noStrike" spc="-1" dirty="0" smtClean="0">
-              <a:latin typeface="Arial"/>
+              <a:latin typeface="ＭＳ ゴシック" panose="020B0609070205080204" pitchFamily="49" charset="-128"/>
+              <a:ea typeface="ＭＳ ゴシック" panose="020B0609070205080204" pitchFamily="49" charset="-128"/>
             </a:endParaRPr>
           </a:p>
           <a:p>
@@ -10741,13 +10768,14 @@
                 <a:solidFill>
                   <a:srgbClr val="000000"/>
                 </a:solidFill>
-                <a:latin typeface="Arial"/>
-                <a:ea typeface="Arial"/>
+                <a:latin typeface="ＭＳ ゴシック" panose="020B0609070205080204" pitchFamily="49" charset="-128"/>
+                <a:ea typeface="ＭＳ ゴシック" panose="020B0609070205080204" pitchFamily="49" charset="-128"/>
               </a:rPr>
               <a:t>著者、謝辞、貢献はどう扱う？</a:t>
             </a:r>
             <a:endParaRPr lang="en-US" sz="1670" b="0" strike="noStrike" spc="-1" dirty="0" smtClean="0">
-              <a:latin typeface="Arial"/>
+              <a:latin typeface="ＭＳ ゴシック" panose="020B0609070205080204" pitchFamily="49" charset="-128"/>
+              <a:ea typeface="ＭＳ ゴシック" panose="020B0609070205080204" pitchFamily="49" charset="-128"/>
             </a:endParaRPr>
           </a:p>
           <a:p>
@@ -10766,7 +10794,8 @@
                 <a:solidFill>
                   <a:srgbClr val="000000"/>
                 </a:solidFill>
-                <a:ea typeface="Arial"/>
+                <a:latin typeface="ＭＳ ゴシック" panose="020B0609070205080204" pitchFamily="49" charset="-128"/>
+                <a:ea typeface="ＭＳ ゴシック" panose="020B0609070205080204" pitchFamily="49" charset="-128"/>
               </a:rPr>
               <a:t>これらは著作権を表明するもの</a:t>
             </a:r>
@@ -10775,12 +10804,14 @@
                 <a:solidFill>
                   <a:srgbClr val="000000"/>
                 </a:solidFill>
-                <a:ea typeface="Arial"/>
+                <a:latin typeface="ＭＳ ゴシック" panose="020B0609070205080204" pitchFamily="49" charset="-128"/>
+                <a:ea typeface="ＭＳ ゴシック" panose="020B0609070205080204" pitchFamily="49" charset="-128"/>
               </a:rPr>
               <a:t>ではなく、扱いについては法務相談が必要な場合がある。</a:t>
             </a:r>
             <a:endParaRPr lang="en-US" sz="1670" b="0" strike="noStrike" spc="-1" dirty="0">
-              <a:latin typeface="Arial"/>
+              <a:latin typeface="ＭＳ ゴシック" panose="020B0609070205080204" pitchFamily="49" charset="-128"/>
+              <a:ea typeface="ＭＳ ゴシック" panose="020B0609070205080204" pitchFamily="49" charset="-128"/>
             </a:endParaRPr>
           </a:p>
         </p:txBody>
@@ -10869,8 +10900,8 @@
                 <a:solidFill>
                   <a:srgbClr val="000000"/>
                 </a:solidFill>
-                <a:latin typeface="Arial"/>
-                <a:ea typeface="Arial"/>
+                <a:latin typeface="ＭＳ ゴシック" panose="020B0609070205080204" pitchFamily="49" charset="-128"/>
+                <a:ea typeface="ＭＳ ゴシック" panose="020B0609070205080204" pitchFamily="49" charset="-128"/>
               </a:rPr>
               <a:t>ベルン条約に関する</a:t>
             </a:r>
@@ -10879,8 +10910,8 @@
                 <a:solidFill>
                   <a:srgbClr val="000000"/>
                 </a:solidFill>
-                <a:latin typeface="Arial"/>
-                <a:ea typeface="Arial"/>
+                <a:latin typeface="ＭＳ ゴシック" panose="020B0609070205080204" pitchFamily="49" charset="-128"/>
+                <a:ea typeface="ＭＳ ゴシック" panose="020B0609070205080204" pitchFamily="49" charset="-128"/>
               </a:rPr>
               <a:t>WikiPedia</a:t>
             </a:r>
@@ -10889,8 +10920,8 @@
                 <a:solidFill>
                   <a:srgbClr val="000000"/>
                 </a:solidFill>
-                <a:latin typeface="Arial"/>
-                <a:ea typeface="Arial"/>
+                <a:latin typeface="ＭＳ ゴシック" panose="020B0609070205080204" pitchFamily="49" charset="-128"/>
+                <a:ea typeface="ＭＳ ゴシック" panose="020B0609070205080204" pitchFamily="49" charset="-128"/>
               </a:rPr>
               <a:t>の記事に、著作権法の基本と、その起源について記されている。</a:t>
             </a:r>
@@ -10898,8 +10929,8 @@
               <a:solidFill>
                 <a:srgbClr val="000000"/>
               </a:solidFill>
-              <a:latin typeface="Arial"/>
-              <a:ea typeface="Arial"/>
+              <a:latin typeface="ＭＳ ゴシック" panose="020B0609070205080204" pitchFamily="49" charset="-128"/>
+              <a:ea typeface="ＭＳ ゴシック" panose="020B0609070205080204" pitchFamily="49" charset="-128"/>
             </a:endParaRPr>
           </a:p>
           <a:p>
@@ -10919,8 +10950,8 @@
                   <a:srgbClr val="0563C1"/>
                 </a:solidFill>
                 <a:uFillTx/>
-                <a:latin typeface="Arial"/>
-                <a:ea typeface="Arial"/>
+                <a:latin typeface="ＭＳ ゴシック" panose="020B0609070205080204" pitchFamily="49" charset="-128"/>
+                <a:ea typeface="ＭＳ ゴシック" panose="020B0609070205080204" pitchFamily="49" charset="-128"/>
                 <a:hlinkClick r:id="rId2"/>
               </a:rPr>
               <a:t>https</a:t>
@@ -10931,8 +10962,8 @@
                   <a:srgbClr val="0563C1"/>
                 </a:solidFill>
                 <a:uFillTx/>
-                <a:latin typeface="Arial"/>
-                <a:ea typeface="Arial"/>
+                <a:latin typeface="ＭＳ ゴシック" panose="020B0609070205080204" pitchFamily="49" charset="-128"/>
+                <a:ea typeface="ＭＳ ゴシック" panose="020B0609070205080204" pitchFamily="49" charset="-128"/>
                 <a:hlinkClick r:id="rId2"/>
               </a:rPr>
               <a:t>://</a:t>
@@ -10943,8 +10974,8 @@
                   <a:srgbClr val="0563C1"/>
                 </a:solidFill>
                 <a:uFillTx/>
-                <a:latin typeface="Arial"/>
-                <a:ea typeface="Arial"/>
+                <a:latin typeface="ＭＳ ゴシック" panose="020B0609070205080204" pitchFamily="49" charset="-128"/>
+                <a:ea typeface="ＭＳ ゴシック" panose="020B0609070205080204" pitchFamily="49" charset="-128"/>
                 <a:hlinkClick r:id="rId2"/>
               </a:rPr>
               <a:t>en.wikipedia.org/wiki/Berne_Convention</a:t>
@@ -10954,8 +10985,8 @@
                 <a:srgbClr val="0563C1"/>
               </a:solidFill>
               <a:uFillTx/>
-              <a:latin typeface="Arial"/>
-              <a:ea typeface="Arial"/>
+              <a:latin typeface="ＭＳ ゴシック" panose="020B0609070205080204" pitchFamily="49" charset="-128"/>
+              <a:ea typeface="ＭＳ ゴシック" panose="020B0609070205080204" pitchFamily="49" charset="-128"/>
             </a:endParaRPr>
           </a:p>
           <a:p>
@@ -10973,7 +11004,8 @@
               <a:solidFill>
                 <a:srgbClr val="0563C1"/>
               </a:solidFill>
-              <a:latin typeface="Arial"/>
+              <a:latin typeface="ＭＳ ゴシック" panose="020B0609070205080204" pitchFamily="49" charset="-128"/>
+              <a:ea typeface="ＭＳ ゴシック" panose="020B0609070205080204" pitchFamily="49" charset="-128"/>
             </a:endParaRPr>
           </a:p>
           <a:p>
@@ -10992,7 +11024,8 @@
                 <a:solidFill>
                   <a:srgbClr val="0563C1"/>
                 </a:solidFill>
-                <a:latin typeface="Arial"/>
+                <a:latin typeface="ＭＳ ゴシック" panose="020B0609070205080204" pitchFamily="49" charset="-128"/>
+                <a:ea typeface="ＭＳ ゴシック" panose="020B0609070205080204" pitchFamily="49" charset="-128"/>
               </a:rPr>
               <a:t>&lt;</a:t>
             </a:r>
@@ -11001,7 +11034,8 @@
                 <a:solidFill>
                   <a:srgbClr val="0563C1"/>
                 </a:solidFill>
-                <a:latin typeface="Arial"/>
+                <a:latin typeface="ＭＳ ゴシック" panose="020B0609070205080204" pitchFamily="49" charset="-128"/>
+                <a:ea typeface="ＭＳ ゴシック" panose="020B0609070205080204" pitchFamily="49" charset="-128"/>
               </a:rPr>
               <a:t>注：日本語での記事</a:t>
             </a:r>
@@ -11010,7 +11044,8 @@
                 <a:solidFill>
                   <a:srgbClr val="0563C1"/>
                 </a:solidFill>
-                <a:latin typeface="Arial"/>
+                <a:latin typeface="ＭＳ ゴシック" panose="020B0609070205080204" pitchFamily="49" charset="-128"/>
+                <a:ea typeface="ＭＳ ゴシック" panose="020B0609070205080204" pitchFamily="49" charset="-128"/>
               </a:rPr>
               <a:t>&gt;</a:t>
             </a:r>
@@ -11018,7 +11053,8 @@
               <a:solidFill>
                 <a:srgbClr val="0563C1"/>
               </a:solidFill>
-              <a:latin typeface="Arial"/>
+              <a:latin typeface="ＭＳ ゴシック" panose="020B0609070205080204" pitchFamily="49" charset="-128"/>
+              <a:ea typeface="ＭＳ ゴシック" panose="020B0609070205080204" pitchFamily="49" charset="-128"/>
             </a:endParaRPr>
           </a:p>
           <a:p>
@@ -11034,16 +11070,22 @@
             </a:pPr>
             <a:r>
               <a:rPr lang="en-US" altLang="ja-JP" u="sng" dirty="0" smtClean="0">
+                <a:latin typeface="ＭＳ ゴシック" panose="020B0609070205080204" pitchFamily="49" charset="-128"/>
+                <a:ea typeface="ＭＳ ゴシック" panose="020B0609070205080204" pitchFamily="49" charset="-128"/>
                 <a:hlinkClick r:id="rId3"/>
               </a:rPr>
               <a:t>https://ja.wikipedia.org/wiki/</a:t>
             </a:r>
             <a:r>
-              <a:rPr lang="ja-JP" altLang="en-US" u="sng" dirty="0" smtClean="0"/>
+              <a:rPr lang="ja-JP" altLang="en-US" u="sng" dirty="0" smtClean="0">
+                <a:latin typeface="ＭＳ ゴシック" panose="020B0609070205080204" pitchFamily="49" charset="-128"/>
+                <a:ea typeface="ＭＳ ゴシック" panose="020B0609070205080204" pitchFamily="49" charset="-128"/>
+              </a:rPr>
               <a:t>文学的及び美術的著作物の保護に関するベルヌ条約 </a:t>
             </a:r>
             <a:endParaRPr lang="en-US" sz="1800" b="0" u="sng" strike="noStrike" spc="-1" dirty="0">
-              <a:latin typeface="Arial"/>
+              <a:latin typeface="ＭＳ ゴシック" panose="020B0609070205080204" pitchFamily="49" charset="-128"/>
+              <a:ea typeface="ＭＳ ゴシック" panose="020B0609070205080204" pitchFamily="49" charset="-128"/>
             </a:endParaRPr>
           </a:p>
         </p:txBody>
@@ -11145,8 +11187,8 @@
                 <a:solidFill>
                   <a:srgbClr val="000000"/>
                 </a:solidFill>
-                <a:latin typeface="Open Sans"/>
-                <a:ea typeface="Open Sans"/>
+                <a:latin typeface="ＭＳ Ｐゴシック" panose="020B0600070205080204" pitchFamily="50" charset="-128"/>
+                <a:ea typeface="ＭＳ Ｐゴシック" panose="020B0600070205080204" pitchFamily="50" charset="-128"/>
               </a:rPr>
               <a:t>FOSSology</a:t>
             </a:r>
@@ -11155,8 +11197,8 @@
                 <a:solidFill>
                   <a:srgbClr val="000000"/>
                 </a:solidFill>
-                <a:latin typeface="Open Sans"/>
-                <a:ea typeface="Open Sans"/>
+                <a:latin typeface="ＭＳ Ｐゴシック" panose="020B0600070205080204" pitchFamily="50" charset="-128"/>
+                <a:ea typeface="ＭＳ Ｐゴシック" panose="020B0600070205080204" pitchFamily="50" charset="-128"/>
               </a:rPr>
               <a:t>:</a:t>
             </a:r>
@@ -11165,13 +11207,14 @@
                 <a:solidFill>
                   <a:srgbClr val="000000"/>
                 </a:solidFill>
-                <a:latin typeface="Open Sans"/>
-                <a:ea typeface="Open Sans"/>
+                <a:latin typeface="ＭＳ Ｐゴシック" panose="020B0600070205080204" pitchFamily="50" charset="-128"/>
+                <a:ea typeface="ＭＳ Ｐゴシック" panose="020B0600070205080204" pitchFamily="50" charset="-128"/>
               </a:rPr>
               <a:t>コンポーネント情報分析</a:t>
             </a:r>
             <a:endParaRPr lang="en-US" sz="4800" b="0" strike="noStrike" spc="-1" dirty="0">
-              <a:latin typeface="Arial"/>
+              <a:latin typeface="ＭＳ Ｐゴシック" panose="020B0600070205080204" pitchFamily="50" charset="-128"/>
+              <a:ea typeface="ＭＳ Ｐゴシック" panose="020B0600070205080204" pitchFamily="50" charset="-128"/>
             </a:endParaRPr>
           </a:p>
         </p:txBody>
@@ -11221,8 +11264,8 @@
                 <a:solidFill>
                   <a:srgbClr val="111111"/>
                 </a:solidFill>
-                <a:latin typeface="ＭＳ Ｐゴシック" panose="020B0600070205080204" pitchFamily="50" charset="-128"/>
-                <a:ea typeface="ＭＳ Ｐゴシック" panose="020B0600070205080204" pitchFamily="50" charset="-128"/>
+                <a:latin typeface="ＭＳ ゴシック" panose="020B0609070205080204" pitchFamily="49" charset="-128"/>
+                <a:ea typeface="ＭＳ ゴシック" panose="020B0609070205080204" pitchFamily="49" charset="-128"/>
               </a:rPr>
               <a:t>Part III: </a:t>
             </a:r>
@@ -11231,8 +11274,8 @@
                 <a:solidFill>
                   <a:srgbClr val="111111"/>
                 </a:solidFill>
-                <a:latin typeface="ＭＳ Ｐゴシック" panose="020B0600070205080204" pitchFamily="50" charset="-128"/>
-                <a:ea typeface="ＭＳ Ｐゴシック" panose="020B0600070205080204" pitchFamily="50" charset="-128"/>
+                <a:latin typeface="ＭＳ ゴシック" panose="020B0609070205080204" pitchFamily="49" charset="-128"/>
+                <a:ea typeface="ＭＳ ゴシック" panose="020B0609070205080204" pitchFamily="49" charset="-128"/>
               </a:rPr>
               <a:t>範囲</a:t>
             </a:r>
@@ -11241,8 +11284,8 @@
                 <a:solidFill>
                   <a:srgbClr val="111111"/>
                 </a:solidFill>
-                <a:latin typeface="ＭＳ Ｐゴシック" panose="020B0600070205080204" pitchFamily="50" charset="-128"/>
-                <a:ea typeface="ＭＳ Ｐゴシック" panose="020B0600070205080204" pitchFamily="50" charset="-128"/>
+                <a:latin typeface="ＭＳ ゴシック" panose="020B0609070205080204" pitchFamily="49" charset="-128"/>
+                <a:ea typeface="ＭＳ ゴシック" panose="020B0609070205080204" pitchFamily="49" charset="-128"/>
               </a:rPr>
               <a:t> </a:t>
             </a:r>
@@ -11251,8 +11294,8 @@
                 <a:solidFill>
                   <a:srgbClr val="111111"/>
                 </a:solidFill>
-                <a:latin typeface="ＭＳ Ｐゴシック" panose="020B0600070205080204" pitchFamily="50" charset="-128"/>
-                <a:ea typeface="ＭＳ Ｐゴシック" panose="020B0600070205080204" pitchFamily="50" charset="-128"/>
+                <a:latin typeface="ＭＳ ゴシック" panose="020B0609070205080204" pitchFamily="49" charset="-128"/>
+                <a:ea typeface="ＭＳ ゴシック" panose="020B0609070205080204" pitchFamily="49" charset="-128"/>
               </a:rPr>
               <a:t>と</a:t>
             </a:r>
@@ -11261,14 +11304,14 @@
                 <a:solidFill>
                   <a:srgbClr val="111111"/>
                 </a:solidFill>
-                <a:latin typeface="ＭＳ Ｐゴシック" panose="020B0600070205080204" pitchFamily="50" charset="-128"/>
-                <a:ea typeface="ＭＳ Ｐゴシック" panose="020B0600070205080204" pitchFamily="50" charset="-128"/>
+                <a:latin typeface="ＭＳ ゴシック" panose="020B0609070205080204" pitchFamily="49" charset="-128"/>
+                <a:ea typeface="ＭＳ ゴシック" panose="020B0609070205080204" pitchFamily="49" charset="-128"/>
               </a:rPr>
               <a:t>用語</a:t>
             </a:r>
             <a:endParaRPr lang="en-US" sz="2400" b="0" strike="noStrike" spc="-1" dirty="0">
-              <a:latin typeface="ＭＳ Ｐゴシック" panose="020B0600070205080204" pitchFamily="50" charset="-128"/>
-              <a:ea typeface="ＭＳ Ｐゴシック" panose="020B0600070205080204" pitchFamily="50" charset="-128"/>
+              <a:latin typeface="ＭＳ ゴシック" panose="020B0609070205080204" pitchFamily="49" charset="-128"/>
+              <a:ea typeface="ＭＳ ゴシック" panose="020B0609070205080204" pitchFamily="49" charset="-128"/>
             </a:endParaRPr>
           </a:p>
         </p:txBody>
@@ -11455,64 +11498,112 @@
               <a:buAutoNum type="arabicPeriod"/>
             </a:pPr>
             <a:r>
-              <a:rPr lang="ja-JP" altLang="en-US" sz="2400" dirty="0"/>
+              <a:rPr lang="ja-JP" altLang="en-US" sz="2400" dirty="0">
+                <a:latin typeface="ＭＳ ゴシック" panose="020B0609070205080204" pitchFamily="49" charset="-128"/>
+                <a:ea typeface="ＭＳ ゴシック" panose="020B0609070205080204" pitchFamily="49" charset="-128"/>
+              </a:rPr>
               <a:t>コンポーネントによる分析 </a:t>
             </a:r>
             <a:r>
-              <a:rPr lang="en-US" altLang="ja-JP" sz="2400" dirty="0"/>
+              <a:rPr lang="en-US" altLang="ja-JP" sz="2400" dirty="0">
+                <a:latin typeface="ＭＳ ゴシック" panose="020B0609070205080204" pitchFamily="49" charset="-128"/>
+                <a:ea typeface="ＭＳ ゴシック" panose="020B0609070205080204" pitchFamily="49" charset="-128"/>
+              </a:rPr>
               <a:t>vs. </a:t>
             </a:r>
             <a:r>
-              <a:rPr lang="ja-JP" altLang="en-US" sz="2400" dirty="0"/>
+              <a:rPr lang="ja-JP" altLang="en-US" sz="2400" dirty="0">
+                <a:latin typeface="ＭＳ ゴシック" panose="020B0609070205080204" pitchFamily="49" charset="-128"/>
+                <a:ea typeface="ＭＳ ゴシック" panose="020B0609070205080204" pitchFamily="49" charset="-128"/>
+              </a:rPr>
               <a:t>ユースケースによる分析</a:t>
             </a:r>
             <a:br>
-              <a:rPr lang="ja-JP" altLang="en-US" sz="2400" dirty="0"/>
+              <a:rPr lang="ja-JP" altLang="en-US" sz="2400" dirty="0">
+                <a:latin typeface="ＭＳ ゴシック" panose="020B0609070205080204" pitchFamily="49" charset="-128"/>
+                <a:ea typeface="ＭＳ ゴシック" panose="020B0609070205080204" pitchFamily="49" charset="-128"/>
+              </a:rPr>
             </a:br>
             <a:r>
-              <a:rPr lang="en-US" altLang="ja-JP" dirty="0"/>
+              <a:rPr lang="en-US" altLang="ja-JP" dirty="0">
+                <a:latin typeface="ＭＳ ゴシック" panose="020B0609070205080204" pitchFamily="49" charset="-128"/>
+                <a:ea typeface="ＭＳ ゴシック" panose="020B0609070205080204" pitchFamily="49" charset="-128"/>
+              </a:rPr>
               <a:t>a) </a:t>
             </a:r>
             <a:r>
-              <a:rPr lang="ja-JP" altLang="en-US" dirty="0"/>
+              <a:rPr lang="ja-JP" altLang="en-US" dirty="0">
+                <a:latin typeface="ＭＳ ゴシック" panose="020B0609070205080204" pitchFamily="49" charset="-128"/>
+                <a:ea typeface="ＭＳ ゴシック" panose="020B0609070205080204" pitchFamily="49" charset="-128"/>
+              </a:rPr>
               <a:t>コンポーネント単位での解析</a:t>
             </a:r>
             <a:r>
-              <a:rPr lang="ja-JP" altLang="en-US" sz="2400" dirty="0"/>
+              <a:rPr lang="ja-JP" altLang="en-US" sz="2400" dirty="0">
+                <a:latin typeface="ＭＳ ゴシック" panose="020B0609070205080204" pitchFamily="49" charset="-128"/>
+                <a:ea typeface="ＭＳ ゴシック" panose="020B0609070205080204" pitchFamily="49" charset="-128"/>
+              </a:rPr>
               <a:t/>
             </a:r>
             <a:br>
-              <a:rPr lang="ja-JP" altLang="en-US" sz="2400" dirty="0"/>
+              <a:rPr lang="ja-JP" altLang="en-US" sz="2400" dirty="0">
+                <a:latin typeface="ＭＳ ゴシック" panose="020B0609070205080204" pitchFamily="49" charset="-128"/>
+                <a:ea typeface="ＭＳ ゴシック" panose="020B0609070205080204" pitchFamily="49" charset="-128"/>
+              </a:rPr>
             </a:br>
             <a:r>
-              <a:rPr lang="en-US" altLang="ja-JP" dirty="0"/>
+              <a:rPr lang="en-US" altLang="ja-JP" dirty="0">
+                <a:latin typeface="ＭＳ ゴシック" panose="020B0609070205080204" pitchFamily="49" charset="-128"/>
+                <a:ea typeface="ＭＳ ゴシック" panose="020B0609070205080204" pitchFamily="49" charset="-128"/>
+              </a:rPr>
               <a:t>b) </a:t>
             </a:r>
             <a:r>
-              <a:rPr lang="ja-JP" altLang="en-US" dirty="0"/>
+              <a:rPr lang="ja-JP" altLang="en-US" dirty="0">
+                <a:latin typeface="ＭＳ ゴシック" panose="020B0609070205080204" pitchFamily="49" charset="-128"/>
+                <a:ea typeface="ＭＳ ゴシック" panose="020B0609070205080204" pitchFamily="49" charset="-128"/>
+              </a:rPr>
               <a:t>特定のユースケースのみを考慮すべきではない </a:t>
             </a:r>
             <a:r>
-              <a:rPr lang="en-US" altLang="ja-JP" dirty="0"/>
+              <a:rPr lang="en-US" altLang="ja-JP" dirty="0">
+                <a:latin typeface="ＭＳ ゴシック" panose="020B0609070205080204" pitchFamily="49" charset="-128"/>
+                <a:ea typeface="ＭＳ ゴシック" panose="020B0609070205080204" pitchFamily="49" charset="-128"/>
+              </a:rPr>
               <a:t>- </a:t>
             </a:r>
             <a:r>
-              <a:rPr lang="ja-JP" altLang="en-US" dirty="0"/>
+              <a:rPr lang="ja-JP" altLang="en-US" dirty="0">
+                <a:latin typeface="ＭＳ ゴシック" panose="020B0609070205080204" pitchFamily="49" charset="-128"/>
+                <a:ea typeface="ＭＳ ゴシック" panose="020B0609070205080204" pitchFamily="49" charset="-128"/>
+              </a:rPr>
               <a:t>それにより、ライセンス分析の結果を再利用できるようにする</a:t>
             </a:r>
             <a:r>
-              <a:rPr lang="ja-JP" altLang="en-US" sz="2400" dirty="0"/>
+              <a:rPr lang="ja-JP" altLang="en-US" sz="2400" dirty="0">
+                <a:latin typeface="ＭＳ ゴシック" panose="020B0609070205080204" pitchFamily="49" charset="-128"/>
+                <a:ea typeface="ＭＳ ゴシック" panose="020B0609070205080204" pitchFamily="49" charset="-128"/>
+              </a:rPr>
               <a:t/>
             </a:r>
             <a:br>
-              <a:rPr lang="ja-JP" altLang="en-US" sz="2400" dirty="0"/>
+              <a:rPr lang="ja-JP" altLang="en-US" sz="2400" dirty="0">
+                <a:latin typeface="ＭＳ ゴシック" panose="020B0609070205080204" pitchFamily="49" charset="-128"/>
+                <a:ea typeface="ＭＳ ゴシック" panose="020B0609070205080204" pitchFamily="49" charset="-128"/>
+              </a:rPr>
             </a:br>
             <a:r>
-              <a:rPr lang="en-US" altLang="ja-JP" dirty="0"/>
+              <a:rPr lang="en-US" altLang="ja-JP" dirty="0">
+                <a:latin typeface="ＭＳ ゴシック" panose="020B0609070205080204" pitchFamily="49" charset="-128"/>
+                <a:ea typeface="ＭＳ ゴシック" panose="020B0609070205080204" pitchFamily="49" charset="-128"/>
+              </a:rPr>
               <a:t>c) </a:t>
             </a:r>
             <a:r>
-              <a:rPr lang="ja-JP" altLang="en-US" dirty="0"/>
+              <a:rPr lang="ja-JP" altLang="en-US" dirty="0">
+                <a:latin typeface="ＭＳ ゴシック" panose="020B0609070205080204" pitchFamily="49" charset="-128"/>
+                <a:ea typeface="ＭＳ ゴシック" panose="020B0609070205080204" pitchFamily="49" charset="-128"/>
+              </a:rPr>
               <a:t>ユースケースで分析するのではなく、含まれるすべてのコンポーネントについて考慮</a:t>
             </a:r>
             <a:endParaRPr lang="en-US" altLang="ja-JP" sz="2400" b="0" strike="noStrike" spc="-1" dirty="0" smtClean="0">
@@ -11533,7 +11624,7 @@
         </p:nvSpPr>
         <p:spPr>
           <a:xfrm>
-            <a:off x="7946727" y="1882281"/>
+            <a:off x="7946727" y="1721950"/>
             <a:ext cx="3930480" cy="3512160"/>
           </a:xfrm>
           <a:prstGeom prst="rect">
@@ -11609,8 +11700,8 @@
                 <a:solidFill>
                   <a:srgbClr val="000000"/>
                 </a:solidFill>
-                <a:latin typeface="Open Sans"/>
-                <a:ea typeface="Open Sans"/>
+                <a:latin typeface="ＭＳ ゴシック" panose="020B0609070205080204" pitchFamily="49" charset="-128"/>
+                <a:ea typeface="ＭＳ ゴシック" panose="020B0609070205080204" pitchFamily="49" charset="-128"/>
               </a:rPr>
               <a:t>前例のライセンスが</a:t>
             </a:r>
@@ -11619,8 +11710,8 @@
                 <a:solidFill>
                   <a:srgbClr val="000000"/>
                 </a:solidFill>
-                <a:latin typeface="Open Sans"/>
-                <a:ea typeface="Open Sans"/>
+                <a:latin typeface="ＭＳ ゴシック" panose="020B0609070205080204" pitchFamily="49" charset="-128"/>
+                <a:ea typeface="ＭＳ ゴシック" panose="020B0609070205080204" pitchFamily="49" charset="-128"/>
               </a:rPr>
               <a:t>示したように、専門知識が</a:t>
             </a:r>
@@ -11629,8 +11720,8 @@
                 <a:solidFill>
                   <a:srgbClr val="000000"/>
                 </a:solidFill>
-                <a:latin typeface="Open Sans"/>
-                <a:ea typeface="Open Sans"/>
+                <a:latin typeface="ＭＳ ゴシック" panose="020B0609070205080204" pitchFamily="49" charset="-128"/>
+                <a:ea typeface="ＭＳ ゴシック" panose="020B0609070205080204" pitchFamily="49" charset="-128"/>
               </a:rPr>
               <a:t>必要</a:t>
             </a:r>
@@ -11638,8 +11729,8 @@
               <a:solidFill>
                 <a:srgbClr val="000000"/>
               </a:solidFill>
-              <a:latin typeface="Open Sans"/>
-              <a:ea typeface="Open Sans"/>
+              <a:latin typeface="ＭＳ ゴシック" panose="020B0609070205080204" pitchFamily="49" charset="-128"/>
+              <a:ea typeface="ＭＳ ゴシック" panose="020B0609070205080204" pitchFamily="49" charset="-128"/>
             </a:endParaRPr>
           </a:p>
           <a:p>
@@ -11657,8 +11748,8 @@
               <a:solidFill>
                 <a:srgbClr val="000000"/>
               </a:solidFill>
-              <a:latin typeface="Open Sans"/>
-              <a:ea typeface="Open Sans"/>
+              <a:latin typeface="ＭＳ ゴシック" panose="020B0609070205080204" pitchFamily="49" charset="-128"/>
+              <a:ea typeface="ＭＳ ゴシック" panose="020B0609070205080204" pitchFamily="49" charset="-128"/>
             </a:endParaRPr>
           </a:p>
           <a:p>
@@ -11677,8 +11768,8 @@
                 <a:solidFill>
                   <a:srgbClr val="000000"/>
                 </a:solidFill>
-                <a:latin typeface="Open Sans"/>
-                <a:ea typeface="Open Sans"/>
+                <a:latin typeface="ＭＳ ゴシック" panose="020B0609070205080204" pitchFamily="49" charset="-128"/>
+                <a:ea typeface="ＭＳ ゴシック" panose="020B0609070205080204" pitchFamily="49" charset="-128"/>
               </a:rPr>
               <a:t>そのため、</a:t>
             </a:r>
@@ -11687,8 +11778,8 @@
                 <a:solidFill>
                   <a:srgbClr val="000000"/>
                 </a:solidFill>
-                <a:latin typeface="Open Sans"/>
-                <a:ea typeface="Open Sans"/>
+                <a:latin typeface="ＭＳ ゴシック" panose="020B0609070205080204" pitchFamily="49" charset="-128"/>
+                <a:ea typeface="ＭＳ ゴシック" panose="020B0609070205080204" pitchFamily="49" charset="-128"/>
               </a:rPr>
               <a:t>FOSSology</a:t>
             </a:r>
@@ -11697,8 +11788,8 @@
                 <a:solidFill>
                   <a:srgbClr val="000000"/>
                 </a:solidFill>
-                <a:latin typeface="Open Sans"/>
-                <a:ea typeface="Open Sans"/>
+                <a:latin typeface="ＭＳ ゴシック" panose="020B0609070205080204" pitchFamily="49" charset="-128"/>
+                <a:ea typeface="ＭＳ ゴシック" panose="020B0609070205080204" pitchFamily="49" charset="-128"/>
               </a:rPr>
               <a:t>など</a:t>
             </a:r>
@@ -11707,8 +11798,8 @@
                 <a:solidFill>
                   <a:srgbClr val="000000"/>
                 </a:solidFill>
-                <a:latin typeface="Open Sans"/>
-                <a:ea typeface="Open Sans"/>
+                <a:latin typeface="ＭＳ ゴシック" panose="020B0609070205080204" pitchFamily="49" charset="-128"/>
+                <a:ea typeface="ＭＳ ゴシック" panose="020B0609070205080204" pitchFamily="49" charset="-128"/>
               </a:rPr>
               <a:t>の</a:t>
             </a:r>
@@ -11717,8 +11808,8 @@
                 <a:solidFill>
                   <a:srgbClr val="000000"/>
                 </a:solidFill>
-                <a:latin typeface="Open Sans"/>
-                <a:ea typeface="Open Sans"/>
+                <a:latin typeface="ＭＳ ゴシック" panose="020B0609070205080204" pitchFamily="49" charset="-128"/>
+                <a:ea typeface="ＭＳ ゴシック" panose="020B0609070205080204" pitchFamily="49" charset="-128"/>
               </a:rPr>
               <a:t>既存</a:t>
             </a:r>
@@ -11727,8 +11818,8 @@
                 <a:solidFill>
                   <a:srgbClr val="000000"/>
                 </a:solidFill>
-                <a:latin typeface="Open Sans"/>
-                <a:ea typeface="Open Sans"/>
+                <a:latin typeface="ＭＳ ゴシック" panose="020B0609070205080204" pitchFamily="49" charset="-128"/>
+                <a:ea typeface="ＭＳ ゴシック" panose="020B0609070205080204" pitchFamily="49" charset="-128"/>
               </a:rPr>
               <a:t>ツールは、専門家があいまい</a:t>
             </a:r>
@@ -11737,8 +11828,8 @@
                 <a:solidFill>
                   <a:srgbClr val="000000"/>
                 </a:solidFill>
-                <a:latin typeface="Open Sans"/>
-                <a:ea typeface="Open Sans"/>
+                <a:latin typeface="ＭＳ ゴシック" panose="020B0609070205080204" pitchFamily="49" charset="-128"/>
+                <a:ea typeface="ＭＳ ゴシック" panose="020B0609070205080204" pitchFamily="49" charset="-128"/>
               </a:rPr>
               <a:t>なライセンス状況を明確に</a:t>
             </a:r>
@@ -11747,8 +11838,8 @@
                 <a:solidFill>
                   <a:srgbClr val="000000"/>
                 </a:solidFill>
-                <a:latin typeface="Open Sans"/>
-                <a:ea typeface="Open Sans"/>
+                <a:latin typeface="ＭＳ ゴシック" panose="020B0609070205080204" pitchFamily="49" charset="-128"/>
+                <a:ea typeface="ＭＳ ゴシック" panose="020B0609070205080204" pitchFamily="49" charset="-128"/>
               </a:rPr>
               <a:t>する必要がある</a:t>
             </a:r>
@@ -11756,8 +11847,8 @@
               <a:solidFill>
                 <a:srgbClr val="000000"/>
               </a:solidFill>
-              <a:latin typeface="Open Sans"/>
-              <a:ea typeface="Open Sans"/>
+              <a:latin typeface="ＭＳ ゴシック" panose="020B0609070205080204" pitchFamily="49" charset="-128"/>
+              <a:ea typeface="ＭＳ ゴシック" panose="020B0609070205080204" pitchFamily="49" charset="-128"/>
             </a:endParaRPr>
           </a:p>
           <a:p>
@@ -11772,7 +11863,8 @@
               <a:buChar char="•"/>
             </a:pPr>
             <a:endParaRPr lang="en-US" altLang="ja-JP" sz="1800" b="0" strike="noStrike" spc="-1" dirty="0" smtClean="0">
-              <a:latin typeface="Arial"/>
+              <a:latin typeface="ＭＳ ゴシック" panose="020B0609070205080204" pitchFamily="49" charset="-128"/>
+              <a:ea typeface="ＭＳ ゴシック" panose="020B0609070205080204" pitchFamily="49" charset="-128"/>
             </a:endParaRPr>
           </a:p>
           <a:p>
@@ -11788,12 +11880,14 @@
             </a:pPr>
             <a:r>
               <a:rPr lang="ja-JP" altLang="en-US" sz="1800" b="0" strike="noStrike" spc="-1" dirty="0" smtClean="0">
-                <a:latin typeface="Arial"/>
+                <a:latin typeface="ＭＳ ゴシック" panose="020B0609070205080204" pitchFamily="49" charset="-128"/>
+                <a:ea typeface="ＭＳ ゴシック" panose="020B0609070205080204" pitchFamily="49" charset="-128"/>
               </a:rPr>
               <a:t>ライセンス分析ツールは専門家に置き換わるわけではない</a:t>
             </a:r>
             <a:endParaRPr lang="en-US" sz="1800" b="0" strike="noStrike" spc="-1" dirty="0">
-              <a:latin typeface="Arial"/>
+              <a:latin typeface="ＭＳ ゴシック" panose="020B0609070205080204" pitchFamily="49" charset="-128"/>
+              <a:ea typeface="ＭＳ ゴシック" panose="020B0609070205080204" pitchFamily="49" charset="-128"/>
             </a:endParaRPr>
           </a:p>
         </p:txBody>
@@ -12031,7 +12125,8 @@
                 <a:solidFill>
                   <a:srgbClr val="000000"/>
                 </a:solidFill>
-                <a:latin typeface="Open Sans"/>
+                <a:latin typeface="ＭＳ ゴシック" panose="020B0609070205080204" pitchFamily="49" charset="-128"/>
+                <a:ea typeface="ＭＳ ゴシック" panose="020B0609070205080204" pitchFamily="49" charset="-128"/>
               </a:rPr>
               <a:t>ライセンス</a:t>
             </a:r>
@@ -12040,12 +12135,14 @@
                 <a:solidFill>
                   <a:srgbClr val="000000"/>
                 </a:solidFill>
-                <a:latin typeface="Open Sans"/>
+                <a:latin typeface="ＭＳ ゴシック" panose="020B0609070205080204" pitchFamily="49" charset="-128"/>
+                <a:ea typeface="ＭＳ ゴシック" panose="020B0609070205080204" pitchFamily="49" charset="-128"/>
               </a:rPr>
               <a:t>分析</a:t>
             </a:r>
             <a:endParaRPr lang="en-US" sz="2300" b="0" strike="noStrike" spc="-1" dirty="0">
-              <a:latin typeface="Arial"/>
+              <a:latin typeface="ＭＳ ゴシック" panose="020B0609070205080204" pitchFamily="49" charset="-128"/>
+              <a:ea typeface="ＭＳ ゴシック" panose="020B0609070205080204" pitchFamily="49" charset="-128"/>
             </a:endParaRPr>
           </a:p>
           <a:p>
@@ -12298,17 +12395,7 @@
                 <a:latin typeface="ＭＳ ゴシック" panose="020B0609070205080204" pitchFamily="49" charset="-128"/>
                 <a:ea typeface="ＭＳ ゴシック" panose="020B0609070205080204" pitchFamily="49" charset="-128"/>
               </a:rPr>
-              <a:t>ライセンス</a:t>
-            </a:r>
-            <a:r>
-              <a:rPr lang="ja-JP" altLang="en-US" sz="2300" b="0" strike="noStrike" spc="-1" dirty="0" smtClean="0">
-                <a:solidFill>
-                  <a:srgbClr val="000000"/>
-                </a:solidFill>
-                <a:latin typeface="ＭＳ ゴシック" panose="020B0609070205080204" pitchFamily="49" charset="-128"/>
-                <a:ea typeface="ＭＳ ゴシック" panose="020B0609070205080204" pitchFamily="49" charset="-128"/>
-              </a:rPr>
-              <a:t>分析を再利用するために</a:t>
+              <a:t>ライセンス分析を再利用するために</a:t>
             </a:r>
             <a:r>
               <a:rPr lang="en-US" sz="2300" b="0" strike="noStrike" spc="-1" dirty="0" smtClean="0">
@@ -14015,13 +14102,14 @@
                 <a:solidFill>
                   <a:srgbClr val="C51230"/>
                 </a:solidFill>
-                <a:latin typeface="Open Sans"/>
-                <a:ea typeface="Open Sans"/>
+                <a:latin typeface="ＭＳ ゴシック" panose="020B0609070205080204" pitchFamily="49" charset="-128"/>
+                <a:ea typeface="ＭＳ ゴシック" panose="020B0609070205080204" pitchFamily="49" charset="-128"/>
               </a:rPr>
               <a:t>ライセンスについての基本</a:t>
             </a:r>
             <a:endParaRPr lang="en-US" sz="1800" b="0" strike="noStrike" spc="-1" dirty="0">
-              <a:latin typeface="Arial"/>
+              <a:latin typeface="ＭＳ ゴシック" panose="020B0609070205080204" pitchFamily="49" charset="-128"/>
+              <a:ea typeface="ＭＳ ゴシック" panose="020B0609070205080204" pitchFamily="49" charset="-128"/>
             </a:endParaRPr>
           </a:p>
           <a:p>
@@ -14040,12 +14128,14 @@
                 <a:solidFill>
                   <a:srgbClr val="000000"/>
                 </a:solidFill>
-                <a:latin typeface="Open Sans"/>
+                <a:latin typeface="ＭＳ ゴシック" panose="020B0609070205080204" pitchFamily="49" charset="-128"/>
+                <a:ea typeface="ＭＳ ゴシック" panose="020B0609070205080204" pitchFamily="49" charset="-128"/>
               </a:rPr>
               <a:t>義務</a:t>
             </a:r>
             <a:endParaRPr lang="en-US" sz="1800" b="0" strike="noStrike" spc="-1" dirty="0">
-              <a:latin typeface="Arial"/>
+              <a:latin typeface="ＭＳ ゴシック" panose="020B0609070205080204" pitchFamily="49" charset="-128"/>
+              <a:ea typeface="ＭＳ ゴシック" panose="020B0609070205080204" pitchFamily="49" charset="-128"/>
             </a:endParaRPr>
           </a:p>
           <a:p>
@@ -14064,12 +14154,14 @@
                 <a:solidFill>
                   <a:srgbClr val="000000"/>
                 </a:solidFill>
-                <a:latin typeface="Open Sans"/>
+                <a:latin typeface="ＭＳ ゴシック" panose="020B0609070205080204" pitchFamily="49" charset="-128"/>
+                <a:ea typeface="ＭＳ ゴシック" panose="020B0609070205080204" pitchFamily="49" charset="-128"/>
               </a:rPr>
               <a:t>制約</a:t>
             </a:r>
             <a:endParaRPr lang="en-US" sz="1800" b="0" strike="noStrike" spc="-1" dirty="0">
-              <a:latin typeface="Arial"/>
+              <a:latin typeface="ＭＳ ゴシック" panose="020B0609070205080204" pitchFamily="49" charset="-128"/>
+              <a:ea typeface="ＭＳ ゴシック" panose="020B0609070205080204" pitchFamily="49" charset="-128"/>
             </a:endParaRPr>
           </a:p>
           <a:p>
@@ -14088,13 +14180,14 @@
                 <a:solidFill>
                   <a:srgbClr val="000000"/>
                 </a:solidFill>
-                <a:latin typeface="Open Sans"/>
-                <a:ea typeface="Open Sans"/>
+                <a:latin typeface="ＭＳ ゴシック" panose="020B0609070205080204" pitchFamily="49" charset="-128"/>
+                <a:ea typeface="ＭＳ ゴシック" panose="020B0609070205080204" pitchFamily="49" charset="-128"/>
               </a:rPr>
               <a:t>権利</a:t>
             </a:r>
             <a:endParaRPr lang="en-US" sz="1800" b="0" strike="noStrike" spc="-1" dirty="0">
-              <a:latin typeface="Arial"/>
+              <a:latin typeface="ＭＳ ゴシック" panose="020B0609070205080204" pitchFamily="49" charset="-128"/>
+              <a:ea typeface="ＭＳ ゴシック" panose="020B0609070205080204" pitchFamily="49" charset="-128"/>
             </a:endParaRPr>
           </a:p>
           <a:p>
@@ -14111,8 +14204,8 @@
                 <a:solidFill>
                   <a:srgbClr val="C51230"/>
                 </a:solidFill>
-                <a:latin typeface="Open Sans"/>
-                <a:ea typeface="Open Sans"/>
+                <a:latin typeface="ＭＳ ゴシック" panose="020B0609070205080204" pitchFamily="49" charset="-128"/>
+                <a:ea typeface="ＭＳ ゴシック" panose="020B0609070205080204" pitchFamily="49" charset="-128"/>
               </a:rPr>
               <a:t>例 </a:t>
             </a:r>
@@ -14121,8 +14214,8 @@
                 <a:solidFill>
                   <a:srgbClr val="C51230"/>
                 </a:solidFill>
-                <a:latin typeface="Open Sans"/>
-                <a:ea typeface="Open Sans"/>
+                <a:latin typeface="ＭＳ ゴシック" panose="020B0609070205080204" pitchFamily="49" charset="-128"/>
+                <a:ea typeface="ＭＳ ゴシック" panose="020B0609070205080204" pitchFamily="49" charset="-128"/>
               </a:rPr>
               <a:t>:</a:t>
             </a:r>
@@ -14131,8 +14224,8 @@
                 <a:solidFill>
                   <a:srgbClr val="C51230"/>
                 </a:solidFill>
-                <a:latin typeface="Open Sans"/>
-                <a:ea typeface="Open Sans"/>
+                <a:latin typeface="ＭＳ ゴシック" panose="020B0609070205080204" pitchFamily="49" charset="-128"/>
+                <a:ea typeface="ＭＳ ゴシック" panose="020B0609070205080204" pitchFamily="49" charset="-128"/>
               </a:rPr>
               <a:t> </a:t>
             </a:r>
@@ -14141,8 +14234,8 @@
                 <a:solidFill>
                   <a:srgbClr val="C51230"/>
                 </a:solidFill>
-                <a:latin typeface="Open Sans"/>
-                <a:ea typeface="Open Sans"/>
+                <a:latin typeface="ＭＳ ゴシック" panose="020B0609070205080204" pitchFamily="49" charset="-128"/>
+                <a:ea typeface="ＭＳ ゴシック" panose="020B0609070205080204" pitchFamily="49" charset="-128"/>
               </a:rPr>
               <a:t>GPL version 2.0 </a:t>
             </a:r>
@@ -14151,8 +14244,8 @@
                 <a:solidFill>
                   <a:srgbClr val="C51230"/>
                 </a:solidFill>
-                <a:latin typeface="Open Sans"/>
-                <a:ea typeface="Open Sans"/>
+                <a:latin typeface="ＭＳ ゴシック" panose="020B0609070205080204" pitchFamily="49" charset="-128"/>
+                <a:ea typeface="ＭＳ ゴシック" panose="020B0609070205080204" pitchFamily="49" charset="-128"/>
               </a:rPr>
               <a:t>(</a:t>
             </a:r>
@@ -14161,8 +14254,8 @@
                 <a:solidFill>
                   <a:srgbClr val="C51230"/>
                 </a:solidFill>
-                <a:latin typeface="Open Sans"/>
-                <a:ea typeface="Open Sans"/>
+                <a:latin typeface="ＭＳ ゴシック" panose="020B0609070205080204" pitchFamily="49" charset="-128"/>
+                <a:ea typeface="ＭＳ ゴシック" panose="020B0609070205080204" pitchFamily="49" charset="-128"/>
               </a:rPr>
               <a:t>一部</a:t>
             </a:r>
@@ -14171,13 +14264,14 @@
                 <a:solidFill>
                   <a:srgbClr val="C51230"/>
                 </a:solidFill>
-                <a:latin typeface="Open Sans"/>
-                <a:ea typeface="Open Sans"/>
+                <a:latin typeface="ＭＳ ゴシック" panose="020B0609070205080204" pitchFamily="49" charset="-128"/>
+                <a:ea typeface="ＭＳ ゴシック" panose="020B0609070205080204" pitchFamily="49" charset="-128"/>
               </a:rPr>
               <a:t>)</a:t>
             </a:r>
             <a:endParaRPr lang="en-US" sz="1800" b="0" strike="noStrike" spc="-1" dirty="0">
-              <a:latin typeface="Arial"/>
+              <a:latin typeface="ＭＳ ゴシック" panose="020B0609070205080204" pitchFamily="49" charset="-128"/>
+              <a:ea typeface="ＭＳ ゴシック" panose="020B0609070205080204" pitchFamily="49" charset="-128"/>
             </a:endParaRPr>
           </a:p>
           <a:p>
@@ -14196,12 +14290,14 @@
                 <a:solidFill>
                   <a:srgbClr val="000000"/>
                 </a:solidFill>
-                <a:latin typeface="Open Sans"/>
+                <a:latin typeface="ＭＳ ゴシック" panose="020B0609070205080204" pitchFamily="49" charset="-128"/>
+                <a:ea typeface="ＭＳ ゴシック" panose="020B0609070205080204" pitchFamily="49" charset="-128"/>
               </a:rPr>
               <a:t>義務</a:t>
             </a:r>
             <a:endParaRPr lang="en-US" sz="1800" b="0" strike="noStrike" spc="-1" dirty="0">
-              <a:latin typeface="Arial"/>
+              <a:latin typeface="ＭＳ ゴシック" panose="020B0609070205080204" pitchFamily="49" charset="-128"/>
+              <a:ea typeface="ＭＳ ゴシック" panose="020B0609070205080204" pitchFamily="49" charset="-128"/>
             </a:endParaRPr>
           </a:p>
           <a:p>
@@ -14217,35 +14313,41 @@
             </a:pPr>
             <a:r>
               <a:rPr lang="ja-JP" altLang="en-US" sz="1800" b="0" strike="noStrike" spc="-1" dirty="0" smtClean="0">
-                <a:latin typeface="Arial"/>
+                <a:latin typeface="ＭＳ ゴシック" panose="020B0609070205080204" pitchFamily="49" charset="-128"/>
+                <a:ea typeface="ＭＳ ゴシック" panose="020B0609070205080204" pitchFamily="49" charset="-128"/>
               </a:rPr>
               <a:t>オリジナルのソースコード</a:t>
             </a:r>
             <a:r>
               <a:rPr lang="ja-JP" altLang="en-US" spc="-1" dirty="0" smtClean="0">
-                <a:latin typeface="Arial"/>
+                <a:latin typeface="ＭＳ ゴシック" panose="020B0609070205080204" pitchFamily="49" charset="-128"/>
+                <a:ea typeface="ＭＳ ゴシック" panose="020B0609070205080204" pitchFamily="49" charset="-128"/>
               </a:rPr>
               <a:t>、</a:t>
             </a:r>
             <a:r>
               <a:rPr lang="en-US" altLang="ja-JP" spc="-1" dirty="0" smtClean="0">
-                <a:latin typeface="Arial"/>
+                <a:latin typeface="ＭＳ ゴシック" panose="020B0609070205080204" pitchFamily="49" charset="-128"/>
+                <a:ea typeface="ＭＳ ゴシック" panose="020B0609070205080204" pitchFamily="49" charset="-128"/>
               </a:rPr>
               <a:t/>
             </a:r>
             <a:br>
               <a:rPr lang="en-US" altLang="ja-JP" spc="-1" dirty="0" smtClean="0">
-                <a:latin typeface="Arial"/>
+                <a:latin typeface="ＭＳ ゴシック" panose="020B0609070205080204" pitchFamily="49" charset="-128"/>
+                <a:ea typeface="ＭＳ ゴシック" panose="020B0609070205080204" pitchFamily="49" charset="-128"/>
               </a:rPr>
             </a:br>
             <a:r>
               <a:rPr lang="ja-JP" altLang="en-US" sz="1800" b="0" strike="noStrike" spc="-1" dirty="0" smtClean="0">
-                <a:latin typeface="Arial"/>
+                <a:latin typeface="ＭＳ ゴシック" panose="020B0609070205080204" pitchFamily="49" charset="-128"/>
+                <a:ea typeface="ＭＳ ゴシック" panose="020B0609070205080204" pitchFamily="49" charset="-128"/>
               </a:rPr>
               <a:t>コピーライト表記を含むこと</a:t>
             </a:r>
             <a:endParaRPr lang="en-US" sz="1800" b="0" strike="noStrike" spc="-1" dirty="0">
-              <a:latin typeface="Arial"/>
+              <a:latin typeface="ＭＳ ゴシック" panose="020B0609070205080204" pitchFamily="49" charset="-128"/>
+              <a:ea typeface="ＭＳ ゴシック" panose="020B0609070205080204" pitchFamily="49" charset="-128"/>
             </a:endParaRPr>
           </a:p>
           <a:p>
@@ -14264,12 +14366,14 @@
                 <a:solidFill>
                   <a:srgbClr val="000000"/>
                 </a:solidFill>
-                <a:latin typeface="Open Sans"/>
+                <a:latin typeface="ＭＳ ゴシック" panose="020B0609070205080204" pitchFamily="49" charset="-128"/>
+                <a:ea typeface="ＭＳ ゴシック" panose="020B0609070205080204" pitchFamily="49" charset="-128"/>
               </a:rPr>
               <a:t>ライセンスを含むこと</a:t>
             </a:r>
             <a:endParaRPr lang="en-US" sz="1800" b="0" strike="noStrike" spc="-1" dirty="0">
-              <a:latin typeface="Arial"/>
+              <a:latin typeface="ＭＳ ゴシック" panose="020B0609070205080204" pitchFamily="49" charset="-128"/>
+              <a:ea typeface="ＭＳ ゴシック" panose="020B0609070205080204" pitchFamily="49" charset="-128"/>
             </a:endParaRPr>
           </a:p>
           <a:p>
@@ -14288,12 +14392,14 @@
                 <a:solidFill>
                   <a:srgbClr val="000000"/>
                 </a:solidFill>
-                <a:latin typeface="Open Sans"/>
+                <a:latin typeface="ＭＳ ゴシック" panose="020B0609070205080204" pitchFamily="49" charset="-128"/>
+                <a:ea typeface="ＭＳ ゴシック" panose="020B0609070205080204" pitchFamily="49" charset="-128"/>
               </a:rPr>
               <a:t>制約</a:t>
             </a:r>
             <a:endParaRPr lang="en-US" sz="1800" b="0" strike="noStrike" spc="-1" dirty="0">
-              <a:latin typeface="Arial"/>
+              <a:latin typeface="ＭＳ ゴシック" panose="020B0609070205080204" pitchFamily="49" charset="-128"/>
+              <a:ea typeface="ＭＳ ゴシック" panose="020B0609070205080204" pitchFamily="49" charset="-128"/>
             </a:endParaRPr>
           </a:p>
           <a:p>
@@ -14312,7 +14418,8 @@
                 <a:solidFill>
                   <a:srgbClr val="000000"/>
                 </a:solidFill>
-                <a:latin typeface="Open Sans"/>
+                <a:latin typeface="ＭＳ ゴシック" panose="020B0609070205080204" pitchFamily="49" charset="-128"/>
+                <a:ea typeface="ＭＳ ゴシック" panose="020B0609070205080204" pitchFamily="49" charset="-128"/>
               </a:rPr>
               <a:t>責任</a:t>
             </a:r>
@@ -14321,7 +14428,8 @@
                 <a:solidFill>
                   <a:srgbClr val="000000"/>
                 </a:solidFill>
-                <a:latin typeface="Open Sans"/>
+                <a:latin typeface="ＭＳ ゴシック" panose="020B0609070205080204" pitchFamily="49" charset="-128"/>
+                <a:ea typeface="ＭＳ ゴシック" panose="020B0609070205080204" pitchFamily="49" charset="-128"/>
               </a:rPr>
               <a:t>は負わない</a:t>
             </a:r>
@@ -14330,7 +14438,8 @@
                 <a:solidFill>
                   <a:srgbClr val="000000"/>
                 </a:solidFill>
-                <a:latin typeface="Open Sans"/>
+                <a:latin typeface="ＭＳ ゴシック" panose="020B0609070205080204" pitchFamily="49" charset="-128"/>
+                <a:ea typeface="ＭＳ ゴシック" panose="020B0609070205080204" pitchFamily="49" charset="-128"/>
               </a:rPr>
               <a:t>(</a:t>
             </a:r>
@@ -14339,7 +14448,8 @@
                 <a:solidFill>
                   <a:srgbClr val="000000"/>
                 </a:solidFill>
-                <a:latin typeface="Open Sans"/>
+                <a:latin typeface="ＭＳ ゴシック" panose="020B0609070205080204" pitchFamily="49" charset="-128"/>
+                <a:ea typeface="ＭＳ ゴシック" panose="020B0609070205080204" pitchFamily="49" charset="-128"/>
               </a:rPr>
               <a:t>自己責任で使うこと</a:t>
             </a:r>
@@ -14348,12 +14458,14 @@
                 <a:solidFill>
                   <a:srgbClr val="000000"/>
                 </a:solidFill>
-                <a:latin typeface="Open Sans"/>
+                <a:latin typeface="ＭＳ ゴシック" panose="020B0609070205080204" pitchFamily="49" charset="-128"/>
+                <a:ea typeface="ＭＳ ゴシック" panose="020B0609070205080204" pitchFamily="49" charset="-128"/>
               </a:rPr>
               <a:t>)</a:t>
             </a:r>
             <a:endParaRPr lang="en-US" sz="1800" b="0" strike="noStrike" spc="-1" dirty="0">
-              <a:latin typeface="Arial"/>
+              <a:latin typeface="ＭＳ ゴシック" panose="020B0609070205080204" pitchFamily="49" charset="-128"/>
+              <a:ea typeface="ＭＳ ゴシック" panose="020B0609070205080204" pitchFamily="49" charset="-128"/>
             </a:endParaRPr>
           </a:p>
           <a:p>
@@ -14372,12 +14484,14 @@
                 <a:solidFill>
                   <a:srgbClr val="000000"/>
                 </a:solidFill>
-                <a:latin typeface="Open Sans"/>
+                <a:latin typeface="ＭＳ ゴシック" panose="020B0609070205080204" pitchFamily="49" charset="-128"/>
+                <a:ea typeface="ＭＳ ゴシック" panose="020B0609070205080204" pitchFamily="49" charset="-128"/>
               </a:rPr>
               <a:t>権利</a:t>
             </a:r>
             <a:endParaRPr lang="en-US" sz="1800" b="0" strike="noStrike" spc="-1" dirty="0">
-              <a:latin typeface="Arial"/>
+              <a:latin typeface="ＭＳ ゴシック" panose="020B0609070205080204" pitchFamily="49" charset="-128"/>
+              <a:ea typeface="ＭＳ ゴシック" panose="020B0609070205080204" pitchFamily="49" charset="-128"/>
             </a:endParaRPr>
           </a:p>
           <a:p>
@@ -14396,12 +14510,14 @@
                 <a:solidFill>
                   <a:srgbClr val="000000"/>
                 </a:solidFill>
-                <a:latin typeface="Open Sans"/>
+                <a:latin typeface="ＭＳ ゴシック" panose="020B0609070205080204" pitchFamily="49" charset="-128"/>
+                <a:ea typeface="ＭＳ ゴシック" panose="020B0609070205080204" pitchFamily="49" charset="-128"/>
               </a:rPr>
               <a:t>修正</a:t>
             </a:r>
             <a:endParaRPr lang="en-US" sz="1800" b="0" strike="noStrike" spc="-1" dirty="0">
-              <a:latin typeface="Arial"/>
+              <a:latin typeface="ＭＳ ゴシック" panose="020B0609070205080204" pitchFamily="49" charset="-128"/>
+              <a:ea typeface="ＭＳ ゴシック" panose="020B0609070205080204" pitchFamily="49" charset="-128"/>
             </a:endParaRPr>
           </a:p>
           <a:p>
@@ -14420,7 +14536,8 @@
                 <a:solidFill>
                   <a:srgbClr val="000000"/>
                 </a:solidFill>
-                <a:latin typeface="Open Sans"/>
+                <a:latin typeface="ＭＳ ゴシック" panose="020B0609070205080204" pitchFamily="49" charset="-128"/>
+                <a:ea typeface="ＭＳ ゴシック" panose="020B0609070205080204" pitchFamily="49" charset="-128"/>
               </a:rPr>
               <a:t>再</a:t>
             </a:r>
@@ -14429,12 +14546,14 @@
                 <a:solidFill>
                   <a:srgbClr val="000000"/>
                 </a:solidFill>
-                <a:latin typeface="Open Sans"/>
+                <a:latin typeface="ＭＳ ゴシック" panose="020B0609070205080204" pitchFamily="49" charset="-128"/>
+                <a:ea typeface="ＭＳ ゴシック" panose="020B0609070205080204" pitchFamily="49" charset="-128"/>
               </a:rPr>
               <a:t>配布</a:t>
             </a:r>
             <a:endParaRPr lang="en-US" sz="1800" b="0" strike="noStrike" spc="-1" dirty="0">
-              <a:latin typeface="Arial"/>
+              <a:latin typeface="ＭＳ ゴシック" panose="020B0609070205080204" pitchFamily="49" charset="-128"/>
+              <a:ea typeface="ＭＳ ゴシック" panose="020B0609070205080204" pitchFamily="49" charset="-128"/>
             </a:endParaRPr>
           </a:p>
         </p:txBody>
@@ -14518,8 +14637,8 @@
                 <a:solidFill>
                   <a:srgbClr val="000000"/>
                 </a:solidFill>
-                <a:latin typeface="Open Sans"/>
-                <a:ea typeface="Open Sans"/>
+                <a:latin typeface="ＭＳ Ｐゴシック" panose="020B0600070205080204" pitchFamily="50" charset="-128"/>
+                <a:ea typeface="ＭＳ Ｐゴシック" panose="020B0600070205080204" pitchFamily="50" charset="-128"/>
               </a:rPr>
               <a:t>詳細</a:t>
             </a:r>
@@ -14528,8 +14647,8 @@
                 <a:solidFill>
                   <a:srgbClr val="000000"/>
                 </a:solidFill>
-                <a:latin typeface="Open Sans"/>
-                <a:ea typeface="Open Sans"/>
+                <a:latin typeface="ＭＳ Ｐゴシック" panose="020B0600070205080204" pitchFamily="50" charset="-128"/>
+                <a:ea typeface="ＭＳ Ｐゴシック" panose="020B0600070205080204" pitchFamily="50" charset="-128"/>
               </a:rPr>
               <a:t>を</a:t>
             </a:r>
@@ -14538,8 +14657,8 @@
                 <a:solidFill>
                   <a:srgbClr val="000000"/>
                 </a:solidFill>
-                <a:latin typeface="Open Sans"/>
-                <a:ea typeface="Open Sans"/>
+                <a:latin typeface="ＭＳ Ｐゴシック" panose="020B0600070205080204" pitchFamily="50" charset="-128"/>
+                <a:ea typeface="ＭＳ Ｐゴシック" panose="020B0600070205080204" pitchFamily="50" charset="-128"/>
               </a:rPr>
               <a:t>読</a:t>
             </a:r>
@@ -14548,8 +14667,8 @@
                 <a:solidFill>
                   <a:srgbClr val="000000"/>
                 </a:solidFill>
-                <a:latin typeface="Open Sans"/>
-                <a:ea typeface="Open Sans"/>
+                <a:latin typeface="ＭＳ Ｐゴシック" panose="020B0600070205080204" pitchFamily="50" charset="-128"/>
+                <a:ea typeface="ＭＳ Ｐゴシック" panose="020B0600070205080204" pitchFamily="50" charset="-128"/>
               </a:rPr>
               <a:t>むに</a:t>
             </a:r>
@@ -14558,8 +14677,8 @@
                 <a:solidFill>
                   <a:srgbClr val="000000"/>
                 </a:solidFill>
-                <a:latin typeface="Open Sans"/>
-                <a:ea typeface="Open Sans"/>
+                <a:latin typeface="ＭＳ Ｐゴシック" panose="020B0600070205080204" pitchFamily="50" charset="-128"/>
+                <a:ea typeface="ＭＳ Ｐゴシック" panose="020B0600070205080204" pitchFamily="50" charset="-128"/>
               </a:rPr>
               <a:t>は</a:t>
             </a:r>
@@ -14568,13 +14687,14 @@
                 <a:solidFill>
                   <a:srgbClr val="000000"/>
                 </a:solidFill>
-                <a:latin typeface="Open Sans"/>
-                <a:ea typeface="Open Sans"/>
+                <a:latin typeface="ＭＳ Ｐゴシック" panose="020B0600070205080204" pitchFamily="50" charset="-128"/>
+                <a:ea typeface="ＭＳ Ｐゴシック" panose="020B0600070205080204" pitchFamily="50" charset="-128"/>
               </a:rPr>
               <a:t>:</a:t>
             </a:r>
             <a:endParaRPr lang="en-US" sz="1800" b="0" strike="noStrike" spc="-1" dirty="0">
-              <a:latin typeface="Arial"/>
+              <a:latin typeface="ＭＳ Ｐゴシック" panose="020B0600070205080204" pitchFamily="50" charset="-128"/>
+              <a:ea typeface="ＭＳ Ｐゴシック" panose="020B0600070205080204" pitchFamily="50" charset="-128"/>
             </a:endParaRPr>
           </a:p>
           <a:p>
@@ -14963,12 +15083,14 @@
                 <a:solidFill>
                   <a:srgbClr val="C51230"/>
                 </a:solidFill>
-                <a:latin typeface="Open Sans"/>
+                <a:latin typeface="ＭＳ ゴシック" panose="020B0609070205080204" pitchFamily="49" charset="-128"/>
+                <a:ea typeface="ＭＳ ゴシック" panose="020B0609070205080204" pitchFamily="49" charset="-128"/>
               </a:rPr>
               <a:t>オープンソフトウェアライセンス</a:t>
             </a:r>
             <a:endParaRPr lang="en-US" sz="2000" b="0" strike="noStrike" spc="-1" dirty="0">
-              <a:latin typeface="Arial"/>
+              <a:latin typeface="ＭＳ ゴシック" panose="020B0609070205080204" pitchFamily="49" charset="-128"/>
+              <a:ea typeface="ＭＳ ゴシック" panose="020B0609070205080204" pitchFamily="49" charset="-128"/>
             </a:endParaRPr>
           </a:p>
           <a:p>
@@ -14987,12 +15109,14 @@
                 <a:solidFill>
                   <a:srgbClr val="000000"/>
                 </a:solidFill>
-                <a:latin typeface="Open Sans"/>
+                <a:latin typeface="ＭＳ ゴシック" panose="020B0609070205080204" pitchFamily="49" charset="-128"/>
+                <a:ea typeface="ＭＳ ゴシック" panose="020B0609070205080204" pitchFamily="49" charset="-128"/>
               </a:rPr>
               <a:t>数多くある</a:t>
             </a:r>
             <a:endParaRPr lang="en-US" sz="2000" b="0" strike="noStrike" spc="-1" dirty="0">
-              <a:latin typeface="Arial"/>
+              <a:latin typeface="ＭＳ ゴシック" panose="020B0609070205080204" pitchFamily="49" charset="-128"/>
+              <a:ea typeface="ＭＳ ゴシック" panose="020B0609070205080204" pitchFamily="49" charset="-128"/>
             </a:endParaRPr>
           </a:p>
           <a:p>
@@ -15012,8 +15136,8 @@
                 <a:solidFill>
                   <a:srgbClr val="000000"/>
                 </a:solidFill>
-                <a:latin typeface="Open Sans"/>
-                <a:ea typeface="Open Sans"/>
+                <a:latin typeface="ＭＳ ゴシック" panose="020B0609070205080204" pitchFamily="49" charset="-128"/>
+                <a:ea typeface="ＭＳ ゴシック" panose="020B0609070205080204" pitchFamily="49" charset="-128"/>
               </a:rPr>
               <a:t>　</a:t>
             </a:r>
@@ -15022,8 +15146,8 @@
                 <a:solidFill>
                   <a:srgbClr val="000000"/>
                 </a:solidFill>
-                <a:latin typeface="Open Sans"/>
-                <a:ea typeface="Open Sans"/>
+                <a:latin typeface="ＭＳ ゴシック" panose="020B0609070205080204" pitchFamily="49" charset="-128"/>
+                <a:ea typeface="ＭＳ ゴシック" panose="020B0609070205080204" pitchFamily="49" charset="-128"/>
               </a:rPr>
               <a:t>「</a:t>
             </a:r>
@@ -15032,8 +15156,8 @@
                 <a:solidFill>
                   <a:srgbClr val="000000"/>
                 </a:solidFill>
-                <a:latin typeface="Open Sans"/>
-                <a:ea typeface="Open Sans"/>
+                <a:latin typeface="ＭＳ ゴシック" panose="020B0609070205080204" pitchFamily="49" charset="-128"/>
+                <a:ea typeface="ＭＳ ゴシック" panose="020B0609070205080204" pitchFamily="49" charset="-128"/>
               </a:rPr>
               <a:t>ライセンスの氾濫」</a:t>
             </a:r>
@@ -15042,13 +15166,14 @@
                 <a:solidFill>
                   <a:srgbClr val="000000"/>
                 </a:solidFill>
-                <a:latin typeface="Open Sans"/>
-                <a:ea typeface="Open Sans"/>
+                <a:latin typeface="ＭＳ ゴシック" panose="020B0609070205080204" pitchFamily="49" charset="-128"/>
+                <a:ea typeface="ＭＳ ゴシック" panose="020B0609070205080204" pitchFamily="49" charset="-128"/>
               </a:rPr>
               <a:t> </a:t>
             </a:r>
             <a:endParaRPr lang="en-US" sz="2000" b="0" strike="noStrike" spc="-1" dirty="0">
-              <a:latin typeface="Arial"/>
+              <a:latin typeface="ＭＳ ゴシック" panose="020B0609070205080204" pitchFamily="49" charset="-128"/>
+              <a:ea typeface="ＭＳ ゴシック" panose="020B0609070205080204" pitchFamily="49" charset="-128"/>
             </a:endParaRPr>
           </a:p>
           <a:p>
@@ -15067,8 +15192,8 @@
                 <a:solidFill>
                   <a:srgbClr val="000000"/>
                 </a:solidFill>
-                <a:latin typeface="Open Sans"/>
-                <a:ea typeface="Open Sans"/>
+                <a:latin typeface="ＭＳ ゴシック" panose="020B0609070205080204" pitchFamily="49" charset="-128"/>
+                <a:ea typeface="ＭＳ ゴシック" panose="020B0609070205080204" pitchFamily="49" charset="-128"/>
               </a:rPr>
               <a:t>カテゴライズできるが、多大な努力と評価が必要</a:t>
             </a:r>
@@ -15076,8 +15201,8 @@
               <a:solidFill>
                 <a:srgbClr val="000000"/>
               </a:solidFill>
-              <a:latin typeface="Open Sans"/>
-              <a:ea typeface="Open Sans"/>
+              <a:latin typeface="ＭＳ ゴシック" panose="020B0609070205080204" pitchFamily="49" charset="-128"/>
+              <a:ea typeface="ＭＳ ゴシック" panose="020B0609070205080204" pitchFamily="49" charset="-128"/>
             </a:endParaRPr>
           </a:p>
           <a:p>
@@ -15096,8 +15221,8 @@
                 <a:solidFill>
                   <a:srgbClr val="000000"/>
                 </a:solidFill>
-                <a:latin typeface="Open Sans"/>
-                <a:ea typeface="Open Sans"/>
+                <a:latin typeface="ＭＳ ゴシック" panose="020B0609070205080204" pitchFamily="49" charset="-128"/>
+                <a:ea typeface="ＭＳ ゴシック" panose="020B0609070205080204" pitchFamily="49" charset="-128"/>
               </a:rPr>
               <a:t>「コピーレフト」</a:t>
             </a:r>
@@ -15106,8 +15231,8 @@
                 <a:solidFill>
                   <a:srgbClr val="000000"/>
                 </a:solidFill>
-                <a:latin typeface="Open Sans"/>
-                <a:ea typeface="Open Sans"/>
+                <a:latin typeface="ＭＳ ゴシック" panose="020B0609070205080204" pitchFamily="49" charset="-128"/>
+                <a:ea typeface="ＭＳ ゴシック" panose="020B0609070205080204" pitchFamily="49" charset="-128"/>
               </a:rPr>
               <a:t> vs</a:t>
             </a:r>
@@ -15126,8 +15251,8 @@
                 <a:solidFill>
                   <a:srgbClr val="000000"/>
                 </a:solidFill>
-                <a:latin typeface="Open Sans"/>
-                <a:ea typeface="Open Sans"/>
+                <a:latin typeface="ＭＳ ゴシック" panose="020B0609070205080204" pitchFamily="49" charset="-128"/>
+                <a:ea typeface="ＭＳ ゴシック" panose="020B0609070205080204" pitchFamily="49" charset="-128"/>
               </a:rPr>
               <a:t>　</a:t>
             </a:r>
@@ -15136,8 +15261,8 @@
                 <a:solidFill>
                   <a:srgbClr val="000000"/>
                 </a:solidFill>
-                <a:latin typeface="Open Sans"/>
-                <a:ea typeface="Open Sans"/>
+                <a:latin typeface="ＭＳ ゴシック" panose="020B0609070205080204" pitchFamily="49" charset="-128"/>
+                <a:ea typeface="ＭＳ ゴシック" panose="020B0609070205080204" pitchFamily="49" charset="-128"/>
               </a:rPr>
               <a:t>「</a:t>
             </a:r>
@@ -15146,13 +15271,14 @@
                 <a:solidFill>
                   <a:srgbClr val="000000"/>
                 </a:solidFill>
-                <a:latin typeface="Open Sans"/>
-                <a:ea typeface="Open Sans"/>
+                <a:latin typeface="ＭＳ ゴシック" panose="020B0609070205080204" pitchFamily="49" charset="-128"/>
+                <a:ea typeface="ＭＳ ゴシック" panose="020B0609070205080204" pitchFamily="49" charset="-128"/>
               </a:rPr>
               <a:t>パーミッシブ・ライセンス」</a:t>
             </a:r>
             <a:endParaRPr lang="en-US" sz="2000" b="0" strike="noStrike" spc="-1" dirty="0">
-              <a:latin typeface="Arial"/>
+              <a:latin typeface="ＭＳ ゴシック" panose="020B0609070205080204" pitchFamily="49" charset="-128"/>
+              <a:ea typeface="ＭＳ ゴシック" panose="020B0609070205080204" pitchFamily="49" charset="-128"/>
             </a:endParaRPr>
           </a:p>
           <a:p>
@@ -15171,8 +15297,8 @@
                 <a:solidFill>
                   <a:srgbClr val="000000"/>
                 </a:solidFill>
-                <a:latin typeface="Open Sans"/>
-                <a:ea typeface="Open Sans"/>
+                <a:latin typeface="ＭＳ ゴシック" panose="020B0609070205080204" pitchFamily="49" charset="-128"/>
+                <a:ea typeface="ＭＳ ゴシック" panose="020B0609070205080204" pitchFamily="49" charset="-128"/>
               </a:rPr>
               <a:t>GPL version 2 </a:t>
             </a:r>
@@ -15181,13 +15307,14 @@
                 <a:solidFill>
                   <a:srgbClr val="000000"/>
                 </a:solidFill>
-                <a:latin typeface="Open Sans"/>
-                <a:ea typeface="Open Sans"/>
+                <a:latin typeface="ＭＳ ゴシック" panose="020B0609070205080204" pitchFamily="49" charset="-128"/>
+                <a:ea typeface="ＭＳ ゴシック" panose="020B0609070205080204" pitchFamily="49" charset="-128"/>
               </a:rPr>
               <a:t>との互換性</a:t>
             </a:r>
             <a:endParaRPr lang="en-US" sz="2000" b="0" strike="noStrike" spc="-1" dirty="0">
-              <a:latin typeface="Arial"/>
+              <a:latin typeface="ＭＳ ゴシック" panose="020B0609070205080204" pitchFamily="49" charset="-128"/>
+              <a:ea typeface="ＭＳ ゴシック" panose="020B0609070205080204" pitchFamily="49" charset="-128"/>
             </a:endParaRPr>
           </a:p>
           <a:p>
@@ -15206,8 +15333,8 @@
                 <a:solidFill>
                   <a:srgbClr val="000000"/>
                 </a:solidFill>
-                <a:latin typeface="Open Sans"/>
-                <a:ea typeface="Open Sans"/>
+                <a:latin typeface="ＭＳ ゴシック" panose="020B0609070205080204" pitchFamily="49" charset="-128"/>
+                <a:ea typeface="ＭＳ ゴシック" panose="020B0609070205080204" pitchFamily="49" charset="-128"/>
               </a:rPr>
               <a:t>特許効果</a:t>
             </a:r>
@@ -15215,8 +15342,8 @@
               <a:solidFill>
                 <a:srgbClr val="000000"/>
               </a:solidFill>
-              <a:latin typeface="Open Sans"/>
-              <a:ea typeface="Open Sans"/>
+              <a:latin typeface="ＭＳ ゴシック" panose="020B0609070205080204" pitchFamily="49" charset="-128"/>
+              <a:ea typeface="ＭＳ ゴシック" panose="020B0609070205080204" pitchFamily="49" charset="-128"/>
             </a:endParaRPr>
           </a:p>
           <a:p>
@@ -15233,8 +15360,8 @@
                 <a:solidFill>
                   <a:srgbClr val="000000"/>
                 </a:solidFill>
-                <a:latin typeface="Open Sans"/>
-                <a:ea typeface="Open Sans"/>
+                <a:latin typeface="ＭＳ ゴシック" panose="020B0609070205080204" pitchFamily="49" charset="-128"/>
+                <a:ea typeface="ＭＳ ゴシック" panose="020B0609070205080204" pitchFamily="49" charset="-128"/>
               </a:rPr>
               <a:t>… </a:t>
             </a:r>
@@ -15243,8 +15370,8 @@
                 <a:solidFill>
                   <a:srgbClr val="000000"/>
                 </a:solidFill>
-                <a:latin typeface="Open Sans"/>
-                <a:ea typeface="Open Sans"/>
+                <a:latin typeface="ＭＳ ゴシック" panose="020B0609070205080204" pitchFamily="49" charset="-128"/>
+                <a:ea typeface="ＭＳ ゴシック" panose="020B0609070205080204" pitchFamily="49" charset="-128"/>
               </a:rPr>
               <a:t>もっとあり得る</a:t>
             </a:r>
@@ -15253,8 +15380,8 @@
                 <a:solidFill>
                   <a:srgbClr val="000000"/>
                 </a:solidFill>
-                <a:latin typeface="Open Sans"/>
-                <a:ea typeface="Open Sans"/>
+                <a:latin typeface="ＭＳ ゴシック" panose="020B0609070205080204" pitchFamily="49" charset="-128"/>
+                <a:ea typeface="ＭＳ ゴシック" panose="020B0609070205080204" pitchFamily="49" charset="-128"/>
               </a:rPr>
               <a:t>..</a:t>
             </a:r>
@@ -15263,13 +15390,14 @@
                 <a:solidFill>
                   <a:srgbClr val="000000"/>
                 </a:solidFill>
-                <a:latin typeface="Open Sans"/>
-                <a:ea typeface="Open Sans"/>
+                <a:latin typeface="ＭＳ ゴシック" panose="020B0609070205080204" pitchFamily="49" charset="-128"/>
+                <a:ea typeface="ＭＳ ゴシック" panose="020B0609070205080204" pitchFamily="49" charset="-128"/>
               </a:rPr>
               <a:t>.</a:t>
             </a:r>
             <a:endParaRPr lang="en-US" sz="2000" b="0" strike="noStrike" spc="-1" dirty="0">
-              <a:latin typeface="Arial"/>
+              <a:latin typeface="ＭＳ ゴシック" panose="020B0609070205080204" pitchFamily="49" charset="-128"/>
+              <a:ea typeface="ＭＳ ゴシック" panose="020B0609070205080204" pitchFamily="49" charset="-128"/>
             </a:endParaRPr>
           </a:p>
           <a:p>
@@ -15703,8 +15831,8 @@
                 <a:solidFill>
                   <a:srgbClr val="C51230"/>
                 </a:solidFill>
-                <a:latin typeface="Open Sans"/>
-                <a:ea typeface="Open Sans"/>
+                <a:latin typeface="ＭＳ ゴシック" panose="020B0609070205080204" pitchFamily="49" charset="-128"/>
+                <a:ea typeface="ＭＳ ゴシック" panose="020B0609070205080204" pitchFamily="49" charset="-128"/>
               </a:rPr>
               <a:t>目的はなにか</a:t>
             </a:r>
@@ -15713,13 +15841,14 @@
                 <a:solidFill>
                   <a:srgbClr val="C51230"/>
                 </a:solidFill>
-                <a:latin typeface="Open Sans"/>
-                <a:ea typeface="Open Sans"/>
+                <a:latin typeface="ＭＳ ゴシック" panose="020B0609070205080204" pitchFamily="49" charset="-128"/>
+                <a:ea typeface="ＭＳ ゴシック" panose="020B0609070205080204" pitchFamily="49" charset="-128"/>
               </a:rPr>
               <a:t>?</a:t>
             </a:r>
             <a:endParaRPr lang="en-US" sz="2400" b="0" strike="noStrike" spc="-1" dirty="0">
-              <a:latin typeface="Arial"/>
+              <a:latin typeface="ＭＳ ゴシック" panose="020B0609070205080204" pitchFamily="49" charset="-128"/>
+              <a:ea typeface="ＭＳ ゴシック" panose="020B0609070205080204" pitchFamily="49" charset="-128"/>
             </a:endParaRPr>
           </a:p>
           <a:p>
@@ -15736,8 +15865,8 @@
                 <a:solidFill>
                   <a:srgbClr val="C51230"/>
                 </a:solidFill>
-                <a:latin typeface="Open Sans"/>
-                <a:ea typeface="Open Sans"/>
+                <a:latin typeface="ＭＳ ゴシック" panose="020B0609070205080204" pitchFamily="49" charset="-128"/>
+                <a:ea typeface="ＭＳ ゴシック" panose="020B0609070205080204" pitchFamily="49" charset="-128"/>
               </a:rPr>
               <a:t>何に気を付けるのかをソフトウェア開発者に伝える</a:t>
             </a:r>
@@ -15746,13 +15875,14 @@
                 <a:solidFill>
                   <a:srgbClr val="C51230"/>
                 </a:solidFill>
-                <a:latin typeface="Open Sans"/>
-                <a:ea typeface="Open Sans"/>
+                <a:latin typeface="ＭＳ ゴシック" panose="020B0609070205080204" pitchFamily="49" charset="-128"/>
+                <a:ea typeface="ＭＳ ゴシック" panose="020B0609070205080204" pitchFamily="49" charset="-128"/>
               </a:rPr>
               <a:t>:</a:t>
             </a:r>
-            <a:endParaRPr lang="en-US" sz="1800" b="0" strike="noStrike" spc="-1" dirty="0">
-              <a:latin typeface="Arial"/>
+            <a:endParaRPr lang="en-US" sz="1800" b="0" i="1" strike="noStrike" spc="-1" dirty="0">
+              <a:latin typeface="ＭＳ ゴシック" panose="020B0609070205080204" pitchFamily="49" charset="-128"/>
+              <a:ea typeface="ＭＳ ゴシック" panose="020B0609070205080204" pitchFamily="49" charset="-128"/>
             </a:endParaRPr>
           </a:p>
           <a:p>
@@ -15774,12 +15904,14 @@
                 <a:solidFill>
                   <a:srgbClr val="000000"/>
                 </a:solidFill>
-                <a:latin typeface="Open Sans"/>
+                <a:latin typeface="ＭＳ ゴシック" panose="020B0609070205080204" pitchFamily="49" charset="-128"/>
+                <a:ea typeface="ＭＳ ゴシック" panose="020B0609070205080204" pitchFamily="49" charset="-128"/>
               </a:rPr>
               <a:t>以下の例を含む、果たすべき義務を明確にする</a:t>
             </a:r>
             <a:endParaRPr lang="en-US" sz="1800" b="0" strike="noStrike" spc="-1" dirty="0">
-              <a:latin typeface="Arial"/>
+              <a:latin typeface="ＭＳ ゴシック" panose="020B0609070205080204" pitchFamily="49" charset="-128"/>
+              <a:ea typeface="ＭＳ ゴシック" panose="020B0609070205080204" pitchFamily="49" charset="-128"/>
             </a:endParaRPr>
           </a:p>
           <a:p>
@@ -15798,8 +15930,8 @@
                 <a:solidFill>
                   <a:srgbClr val="000000"/>
                 </a:solidFill>
-                <a:latin typeface="Open Sans"/>
-                <a:ea typeface="Open Sans"/>
+                <a:latin typeface="ＭＳ ゴシック" panose="020B0609070205080204" pitchFamily="49" charset="-128"/>
+                <a:ea typeface="ＭＳ ゴシック" panose="020B0609070205080204" pitchFamily="49" charset="-128"/>
               </a:rPr>
               <a:t>クレジット</a:t>
             </a:r>
@@ -15808,8 +15940,8 @@
                 <a:solidFill>
                   <a:srgbClr val="000000"/>
                 </a:solidFill>
-                <a:latin typeface="Open Sans"/>
-                <a:ea typeface="Open Sans"/>
+                <a:latin typeface="ＭＳ ゴシック" panose="020B0609070205080204" pitchFamily="49" charset="-128"/>
+                <a:ea typeface="ＭＳ ゴシック" panose="020B0609070205080204" pitchFamily="49" charset="-128"/>
               </a:rPr>
               <a:t> (</a:t>
             </a:r>
@@ -15818,8 +15950,8 @@
                 <a:solidFill>
                   <a:srgbClr val="000000"/>
                 </a:solidFill>
-                <a:latin typeface="Open Sans"/>
-                <a:ea typeface="Open Sans"/>
+                <a:latin typeface="ＭＳ ゴシック" panose="020B0609070205080204" pitchFamily="49" charset="-128"/>
+                <a:ea typeface="ＭＳ ゴシック" panose="020B0609070205080204" pitchFamily="49" charset="-128"/>
               </a:rPr>
               <a:t>著作権表示</a:t>
             </a:r>
@@ -15828,8 +15960,8 @@
                 <a:solidFill>
                   <a:srgbClr val="000000"/>
                 </a:solidFill>
-                <a:latin typeface="Open Sans"/>
-                <a:ea typeface="Open Sans"/>
+                <a:latin typeface="ＭＳ ゴシック" panose="020B0609070205080204" pitchFamily="49" charset="-128"/>
+                <a:ea typeface="ＭＳ ゴシック" panose="020B0609070205080204" pitchFamily="49" charset="-128"/>
               </a:rPr>
               <a:t>, </a:t>
             </a:r>
@@ -15838,8 +15970,8 @@
                 <a:solidFill>
                   <a:srgbClr val="000000"/>
                 </a:solidFill>
-                <a:latin typeface="Open Sans"/>
-                <a:ea typeface="Open Sans"/>
+                <a:latin typeface="ＭＳ ゴシック" panose="020B0609070205080204" pitchFamily="49" charset="-128"/>
+                <a:ea typeface="ＭＳ ゴシック" panose="020B0609070205080204" pitchFamily="49" charset="-128"/>
               </a:rPr>
               <a:t>重要な</a:t>
             </a:r>
@@ -15848,8 +15980,8 @@
                 <a:solidFill>
                   <a:srgbClr val="000000"/>
                 </a:solidFill>
-                <a:latin typeface="Open Sans"/>
-                <a:ea typeface="Open Sans"/>
+                <a:latin typeface="ＭＳ ゴシック" panose="020B0609070205080204" pitchFamily="49" charset="-128"/>
+                <a:ea typeface="ＭＳ ゴシック" panose="020B0609070205080204" pitchFamily="49" charset="-128"/>
               </a:rPr>
               <a:t>注意書</a:t>
             </a:r>
@@ -15858,8 +15990,8 @@
                 <a:solidFill>
                   <a:srgbClr val="000000"/>
                 </a:solidFill>
-                <a:latin typeface="Open Sans"/>
-                <a:ea typeface="Open Sans"/>
+                <a:latin typeface="ＭＳ ゴシック" panose="020B0609070205080204" pitchFamily="49" charset="-128"/>
+                <a:ea typeface="ＭＳ ゴシック" panose="020B0609070205080204" pitchFamily="49" charset="-128"/>
               </a:rPr>
               <a:t>き</a:t>
             </a:r>
@@ -15868,13 +16000,14 @@
                 <a:solidFill>
                   <a:srgbClr val="000000"/>
                 </a:solidFill>
-                <a:latin typeface="Open Sans"/>
-                <a:ea typeface="Open Sans"/>
+                <a:latin typeface="ＭＳ ゴシック" panose="020B0609070205080204" pitchFamily="49" charset="-128"/>
+                <a:ea typeface="ＭＳ ゴシック" panose="020B0609070205080204" pitchFamily="49" charset="-128"/>
               </a:rPr>
               <a:t>)</a:t>
             </a:r>
             <a:endParaRPr lang="en-US" sz="1800" b="0" strike="noStrike" spc="-1" dirty="0">
-              <a:latin typeface="Arial"/>
+              <a:latin typeface="ＭＳ ゴシック" panose="020B0609070205080204" pitchFamily="49" charset="-128"/>
+              <a:ea typeface="ＭＳ ゴシック" panose="020B0609070205080204" pitchFamily="49" charset="-128"/>
             </a:endParaRPr>
           </a:p>
           <a:p>
@@ -15893,7 +16026,8 @@
                 <a:solidFill>
                   <a:srgbClr val="000000"/>
                 </a:solidFill>
-                <a:latin typeface="Open Sans"/>
+                <a:latin typeface="ＭＳ ゴシック" panose="020B0609070205080204" pitchFamily="49" charset="-128"/>
+                <a:ea typeface="ＭＳ ゴシック" panose="020B0609070205080204" pitchFamily="49" charset="-128"/>
               </a:rPr>
               <a:t>ライセンス</a:t>
             </a:r>
@@ -15902,7 +16036,8 @@
                 <a:solidFill>
                   <a:srgbClr val="000000"/>
                 </a:solidFill>
-                <a:latin typeface="Open Sans"/>
+                <a:latin typeface="ＭＳ ゴシック" panose="020B0609070205080204" pitchFamily="49" charset="-128"/>
+                <a:ea typeface="ＭＳ ゴシック" panose="020B0609070205080204" pitchFamily="49" charset="-128"/>
               </a:rPr>
               <a:t>に関する</a:t>
             </a:r>
@@ -15911,12 +16046,14 @@
                 <a:solidFill>
                   <a:srgbClr val="000000"/>
                 </a:solidFill>
-                <a:latin typeface="Open Sans"/>
+                <a:latin typeface="ＭＳ ゴシック" panose="020B0609070205080204" pitchFamily="49" charset="-128"/>
+                <a:ea typeface="ＭＳ ゴシック" panose="020B0609070205080204" pitchFamily="49" charset="-128"/>
               </a:rPr>
               <a:t>情報</a:t>
             </a:r>
             <a:endParaRPr lang="en-US" sz="1800" b="0" strike="noStrike" spc="-1" dirty="0" smtClean="0">
-              <a:latin typeface="Arial"/>
+              <a:latin typeface="ＭＳ ゴシック" panose="020B0609070205080204" pitchFamily="49" charset="-128"/>
+              <a:ea typeface="ＭＳ ゴシック" panose="020B0609070205080204" pitchFamily="49" charset="-128"/>
             </a:endParaRPr>
           </a:p>
           <a:p>
@@ -15935,7 +16072,8 @@
                 <a:solidFill>
                   <a:srgbClr val="000000"/>
                 </a:solidFill>
-                <a:latin typeface="Open Sans"/>
+                <a:latin typeface="ＭＳ ゴシック" panose="020B0609070205080204" pitchFamily="49" charset="-128"/>
+                <a:ea typeface="ＭＳ ゴシック" panose="020B0609070205080204" pitchFamily="49" charset="-128"/>
               </a:rPr>
               <a:t>ソース</a:t>
             </a:r>
@@ -15944,12 +16082,14 @@
                 <a:solidFill>
                   <a:srgbClr val="000000"/>
                 </a:solidFill>
-                <a:latin typeface="Open Sans"/>
+                <a:latin typeface="ＭＳ ゴシック" panose="020B0609070205080204" pitchFamily="49" charset="-128"/>
+                <a:ea typeface="ＭＳ ゴシック" panose="020B0609070205080204" pitchFamily="49" charset="-128"/>
               </a:rPr>
               <a:t>コード</a:t>
             </a:r>
             <a:endParaRPr lang="en-US" sz="1800" b="0" strike="noStrike" spc="-1" dirty="0">
-              <a:latin typeface="Arial"/>
+              <a:latin typeface="ＭＳ ゴシック" panose="020B0609070205080204" pitchFamily="49" charset="-128"/>
+              <a:ea typeface="ＭＳ ゴシック" panose="020B0609070205080204" pitchFamily="49" charset="-128"/>
             </a:endParaRPr>
           </a:p>
           <a:p>
@@ -15971,7 +16111,8 @@
                 <a:solidFill>
                   <a:srgbClr val="000000"/>
                 </a:solidFill>
-                <a:latin typeface="Open Sans"/>
+                <a:latin typeface="ＭＳ ゴシック" panose="020B0609070205080204" pitchFamily="49" charset="-128"/>
+                <a:ea typeface="ＭＳ ゴシック" panose="020B0609070205080204" pitchFamily="49" charset="-128"/>
               </a:rPr>
               <a:t>ライセンス妥当性</a:t>
             </a:r>
@@ -15980,12 +16121,14 @@
                 <a:solidFill>
                   <a:srgbClr val="000000"/>
                 </a:solidFill>
-                <a:latin typeface="Open Sans"/>
+                <a:latin typeface="ＭＳ ゴシック" panose="020B0609070205080204" pitchFamily="49" charset="-128"/>
+                <a:ea typeface="ＭＳ ゴシック" panose="020B0609070205080204" pitchFamily="49" charset="-128"/>
               </a:rPr>
               <a:t>確認</a:t>
             </a:r>
             <a:endParaRPr lang="en-US" sz="1800" b="0" strike="noStrike" spc="-1" dirty="0">
-              <a:latin typeface="Arial"/>
+              <a:latin typeface="ＭＳ ゴシック" panose="020B0609070205080204" pitchFamily="49" charset="-128"/>
+              <a:ea typeface="ＭＳ ゴシック" panose="020B0609070205080204" pitchFamily="49" charset="-128"/>
             </a:endParaRPr>
           </a:p>
           <a:p>
@@ -16004,8 +16147,8 @@
                 <a:solidFill>
                   <a:srgbClr val="000000"/>
                 </a:solidFill>
-                <a:latin typeface="Open Sans"/>
-                <a:ea typeface="Open Sans"/>
+                <a:latin typeface="ＭＳ ゴシック" panose="020B0609070205080204" pitchFamily="49" charset="-128"/>
+                <a:ea typeface="ＭＳ ゴシック" panose="020B0609070205080204" pitchFamily="49" charset="-128"/>
               </a:rPr>
               <a:t>簡易</a:t>
             </a:r>
@@ -16014,8 +16157,8 @@
                 <a:solidFill>
                   <a:srgbClr val="000000"/>
                 </a:solidFill>
-                <a:latin typeface="Open Sans"/>
-                <a:ea typeface="Open Sans"/>
+                <a:latin typeface="ＭＳ ゴシック" panose="020B0609070205080204" pitchFamily="49" charset="-128"/>
+                <a:ea typeface="ＭＳ ゴシック" panose="020B0609070205080204" pitchFamily="49" charset="-128"/>
               </a:rPr>
               <a:t>例</a:t>
             </a:r>
@@ -16024,8 +16167,8 @@
                 <a:solidFill>
                   <a:srgbClr val="000000"/>
                 </a:solidFill>
-                <a:latin typeface="Open Sans"/>
-                <a:ea typeface="Open Sans"/>
+                <a:latin typeface="ＭＳ ゴシック" panose="020B0609070205080204" pitchFamily="49" charset="-128"/>
+                <a:ea typeface="ＭＳ ゴシック" panose="020B0609070205080204" pitchFamily="49" charset="-128"/>
               </a:rPr>
               <a:t>: </a:t>
             </a:r>
@@ -16034,8 +16177,8 @@
                 <a:solidFill>
                   <a:srgbClr val="000000"/>
                 </a:solidFill>
-                <a:latin typeface="Open Sans"/>
-                <a:ea typeface="Open Sans"/>
+                <a:latin typeface="ＭＳ ゴシック" panose="020B0609070205080204" pitchFamily="49" charset="-128"/>
+                <a:ea typeface="ＭＳ ゴシック" panose="020B0609070205080204" pitchFamily="49" charset="-128"/>
               </a:rPr>
               <a:t>GPL version 2 </a:t>
             </a:r>
@@ -16044,8 +16187,8 @@
                 <a:solidFill>
                   <a:srgbClr val="000000"/>
                 </a:solidFill>
-                <a:latin typeface="Open Sans"/>
-                <a:ea typeface="Open Sans"/>
+                <a:latin typeface="ＭＳ ゴシック" panose="020B0609070205080204" pitchFamily="49" charset="-128"/>
+                <a:ea typeface="ＭＳ ゴシック" panose="020B0609070205080204" pitchFamily="49" charset="-128"/>
               </a:rPr>
               <a:t>と</a:t>
             </a:r>
@@ -16054,8 +16197,8 @@
                 <a:solidFill>
                   <a:srgbClr val="000000"/>
                 </a:solidFill>
-                <a:latin typeface="Open Sans"/>
-                <a:ea typeface="Open Sans"/>
+                <a:latin typeface="ＭＳ ゴシック" panose="020B0609070205080204" pitchFamily="49" charset="-128"/>
+                <a:ea typeface="ＭＳ ゴシック" panose="020B0609070205080204" pitchFamily="49" charset="-128"/>
               </a:rPr>
               <a:t> </a:t>
             </a:r>
@@ -16064,8 +16207,8 @@
                 <a:solidFill>
                   <a:srgbClr val="000000"/>
                 </a:solidFill>
-                <a:latin typeface="Open Sans"/>
-                <a:ea typeface="Open Sans"/>
+                <a:latin typeface="ＭＳ ゴシック" panose="020B0609070205080204" pitchFamily="49" charset="-128"/>
+                <a:ea typeface="ＭＳ ゴシック" panose="020B0609070205080204" pitchFamily="49" charset="-128"/>
               </a:rPr>
               <a:t>CC-BY-SA </a:t>
             </a:r>
@@ -16074,8 +16217,8 @@
                 <a:solidFill>
                   <a:srgbClr val="000000"/>
                 </a:solidFill>
-                <a:latin typeface="Open Sans"/>
-                <a:ea typeface="Open Sans"/>
+                <a:latin typeface="ＭＳ ゴシック" panose="020B0609070205080204" pitchFamily="49" charset="-128"/>
+                <a:ea typeface="ＭＳ ゴシック" panose="020B0609070205080204" pitchFamily="49" charset="-128"/>
               </a:rPr>
               <a:t>(</a:t>
             </a:r>
@@ -16084,8 +16227,8 @@
                 <a:solidFill>
                   <a:srgbClr val="000000"/>
                 </a:solidFill>
-                <a:latin typeface="Open Sans"/>
-                <a:ea typeface="Open Sans"/>
+                <a:latin typeface="ＭＳ ゴシック" panose="020B0609070205080204" pitchFamily="49" charset="-128"/>
+                <a:ea typeface="ＭＳ ゴシック" panose="020B0609070205080204" pitchFamily="49" charset="-128"/>
               </a:rPr>
               <a:t>コピーレフト効果</a:t>
             </a:r>
@@ -16094,13 +16237,14 @@
                 <a:solidFill>
                   <a:srgbClr val="000000"/>
                 </a:solidFill>
-                <a:latin typeface="Open Sans"/>
-                <a:ea typeface="Open Sans"/>
+                <a:latin typeface="ＭＳ ゴシック" panose="020B0609070205080204" pitchFamily="49" charset="-128"/>
+                <a:ea typeface="ＭＳ ゴシック" panose="020B0609070205080204" pitchFamily="49" charset="-128"/>
               </a:rPr>
               <a:t>)</a:t>
             </a:r>
             <a:endParaRPr lang="en-US" sz="1800" b="0" strike="noStrike" spc="-1" dirty="0">
-              <a:latin typeface="Arial"/>
+              <a:latin typeface="ＭＳ ゴシック" panose="020B0609070205080204" pitchFamily="49" charset="-128"/>
+              <a:ea typeface="ＭＳ ゴシック" panose="020B0609070205080204" pitchFamily="49" charset="-128"/>
             </a:endParaRPr>
           </a:p>
           <a:p>
@@ -16122,13 +16266,14 @@
                 <a:solidFill>
                   <a:srgbClr val="000000"/>
                 </a:solidFill>
-                <a:latin typeface="Open Sans"/>
-                <a:ea typeface="Open Sans"/>
+                <a:latin typeface="ＭＳ ゴシック" panose="020B0609070205080204" pitchFamily="49" charset="-128"/>
+                <a:ea typeface="ＭＳ ゴシック" panose="020B0609070205080204" pitchFamily="49" charset="-128"/>
               </a:rPr>
               <a:t>望ましい使い方ができているかを確認できる</a:t>
             </a:r>
             <a:endParaRPr lang="en-US" sz="1800" b="0" strike="noStrike" spc="-1" dirty="0">
-              <a:latin typeface="Arial"/>
+              <a:latin typeface="ＭＳ ゴシック" panose="020B0609070205080204" pitchFamily="49" charset="-128"/>
+              <a:ea typeface="ＭＳ ゴシック" panose="020B0609070205080204" pitchFamily="49" charset="-128"/>
             </a:endParaRPr>
           </a:p>
           <a:p>
@@ -16147,12 +16292,14 @@
                 <a:solidFill>
                   <a:srgbClr val="000000"/>
                 </a:solidFill>
-                <a:latin typeface="Open Sans"/>
+                <a:latin typeface="ＭＳ ゴシック" panose="020B0609070205080204" pitchFamily="49" charset="-128"/>
+                <a:ea typeface="ＭＳ ゴシック" panose="020B0609070205080204" pitchFamily="49" charset="-128"/>
               </a:rPr>
               <a:t>商用利用可能なライセンスなのか？</a:t>
             </a:r>
             <a:endParaRPr lang="en-US" altLang="ja-JP" spc="-1" dirty="0">
-              <a:latin typeface="Arial"/>
+              <a:latin typeface="ＭＳ ゴシック" panose="020B0609070205080204" pitchFamily="49" charset="-128"/>
+              <a:ea typeface="ＭＳ ゴシック" panose="020B0609070205080204" pitchFamily="49" charset="-128"/>
             </a:endParaRPr>
           </a:p>
           <a:p>
@@ -16171,7 +16318,8 @@
                 <a:solidFill>
                   <a:srgbClr val="000000"/>
                 </a:solidFill>
-                <a:latin typeface="Open Sans"/>
+                <a:latin typeface="ＭＳ ゴシック" panose="020B0609070205080204" pitchFamily="49" charset="-128"/>
+                <a:ea typeface="ＭＳ ゴシック" panose="020B0609070205080204" pitchFamily="49" charset="-128"/>
               </a:rPr>
               <a:t>OSS</a:t>
             </a:r>
@@ -16180,12 +16328,14 @@
                 <a:solidFill>
                   <a:srgbClr val="000000"/>
                 </a:solidFill>
-                <a:latin typeface="Open Sans"/>
+                <a:latin typeface="ＭＳ ゴシック" panose="020B0609070205080204" pitchFamily="49" charset="-128"/>
+                <a:ea typeface="ＭＳ ゴシック" panose="020B0609070205080204" pitchFamily="49" charset="-128"/>
               </a:rPr>
               <a:t>作者が想定している利用環境は？</a:t>
             </a:r>
             <a:endParaRPr lang="en-US" sz="1800" b="0" strike="noStrike" spc="-1" dirty="0">
-              <a:latin typeface="Arial"/>
+              <a:latin typeface="ＭＳ ゴシック" panose="020B0609070205080204" pitchFamily="49" charset="-128"/>
+              <a:ea typeface="ＭＳ ゴシック" panose="020B0609070205080204" pitchFamily="49" charset="-128"/>
             </a:endParaRPr>
           </a:p>
           <a:p>
@@ -17603,8 +17753,8 @@
                 <a:solidFill>
                   <a:srgbClr val="000000"/>
                 </a:solidFill>
-                <a:latin typeface="Open Sans"/>
-                <a:ea typeface="Open Sans"/>
+                <a:latin typeface="ＭＳ Ｐゴシック" panose="020B0600070205080204" pitchFamily="50" charset="-128"/>
+                <a:ea typeface="ＭＳ Ｐゴシック" panose="020B0600070205080204" pitchFamily="50" charset="-128"/>
               </a:rPr>
               <a:t>ライセンスの例</a:t>
             </a:r>
@@ -17613,8 +17763,8 @@
                 <a:solidFill>
                   <a:srgbClr val="000000"/>
                 </a:solidFill>
-                <a:latin typeface="Open Sans"/>
-                <a:ea typeface="Open Sans"/>
+                <a:latin typeface="ＭＳ Ｐゴシック" panose="020B0600070205080204" pitchFamily="50" charset="-128"/>
+                <a:ea typeface="ＭＳ Ｐゴシック" panose="020B0600070205080204" pitchFamily="50" charset="-128"/>
               </a:rPr>
               <a:t> – </a:t>
             </a:r>
@@ -17623,13 +17773,16 @@
                 <a:solidFill>
                   <a:srgbClr val="000000"/>
                 </a:solidFill>
-                <a:latin typeface="Open Sans"/>
-                <a:ea typeface="Open Sans"/>
+                <a:latin typeface="ＭＳ Ｐゴシック" panose="020B0600070205080204" pitchFamily="50" charset="-128"/>
+                <a:ea typeface="ＭＳ Ｐゴシック" panose="020B0600070205080204" pitchFamily="50" charset="-128"/>
               </a:rPr>
               <a:t>明確にする必要があること</a:t>
             </a:r>
             <a:r>
-              <a:rPr lang="ja-JP" altLang="en-US" sz="3200" spc="-1" dirty="0"/>
+              <a:rPr lang="ja-JP" altLang="en-US" sz="3200" spc="-1" dirty="0">
+                <a:latin typeface="ＭＳ Ｐゴシック" panose="020B0600070205080204" pitchFamily="50" charset="-128"/>
+                <a:ea typeface="ＭＳ Ｐゴシック" panose="020B0600070205080204" pitchFamily="50" charset="-128"/>
+              </a:rPr>
               <a:t> </a:t>
             </a:r>
             <a:r>
@@ -17637,13 +17790,14 @@
                 <a:solidFill>
                   <a:srgbClr val="000000"/>
                 </a:solidFill>
-                <a:latin typeface="Open Sans"/>
-                <a:ea typeface="Open Sans"/>
+                <a:latin typeface="ＭＳ Ｐゴシック" panose="020B0600070205080204" pitchFamily="50" charset="-128"/>
+                <a:ea typeface="ＭＳ Ｐゴシック" panose="020B0600070205080204" pitchFamily="50" charset="-128"/>
               </a:rPr>
               <a:t>2</a:t>
             </a:r>
             <a:endParaRPr lang="en-US" sz="3200" b="0" strike="noStrike" spc="-1" dirty="0">
-              <a:latin typeface="Arial"/>
+              <a:latin typeface="ＭＳ Ｐゴシック" panose="020B0600070205080204" pitchFamily="50" charset="-128"/>
+              <a:ea typeface="ＭＳ Ｐゴシック" panose="020B0600070205080204" pitchFamily="50" charset="-128"/>
             </a:endParaRPr>
           </a:p>
         </p:txBody>
@@ -18489,8 +18643,8 @@
                 <a:solidFill>
                   <a:srgbClr val="000000"/>
                 </a:solidFill>
-                <a:latin typeface="Open Sans"/>
-                <a:ea typeface="Open Sans"/>
+                <a:latin typeface="ＭＳ Ｐゴシック" panose="020B0600070205080204" pitchFamily="50" charset="-128"/>
+                <a:ea typeface="ＭＳ Ｐゴシック" panose="020B0600070205080204" pitchFamily="50" charset="-128"/>
               </a:rPr>
               <a:t>ライセンスの例</a:t>
             </a:r>
@@ -18499,8 +18653,8 @@
                 <a:solidFill>
                   <a:srgbClr val="000000"/>
                 </a:solidFill>
-                <a:latin typeface="Open Sans"/>
-                <a:ea typeface="Open Sans"/>
+                <a:latin typeface="ＭＳ Ｐゴシック" panose="020B0600070205080204" pitchFamily="50" charset="-128"/>
+                <a:ea typeface="ＭＳ Ｐゴシック" panose="020B0600070205080204" pitchFamily="50" charset="-128"/>
               </a:rPr>
               <a:t> – </a:t>
             </a:r>
@@ -18509,13 +18663,16 @@
                 <a:solidFill>
                   <a:srgbClr val="000000"/>
                 </a:solidFill>
-                <a:latin typeface="Open Sans"/>
-                <a:ea typeface="Open Sans"/>
+                <a:latin typeface="ＭＳ Ｐゴシック" panose="020B0600070205080204" pitchFamily="50" charset="-128"/>
+                <a:ea typeface="ＭＳ Ｐゴシック" panose="020B0600070205080204" pitchFamily="50" charset="-128"/>
               </a:rPr>
               <a:t>明確にする必要があること</a:t>
             </a:r>
             <a:r>
-              <a:rPr lang="ja-JP" altLang="en-US" sz="3200" spc="-1" dirty="0" smtClean="0"/>
+              <a:rPr lang="ja-JP" altLang="en-US" sz="3200" spc="-1" dirty="0" smtClean="0">
+                <a:latin typeface="ＭＳ Ｐゴシック" panose="020B0600070205080204" pitchFamily="50" charset="-128"/>
+                <a:ea typeface="ＭＳ Ｐゴシック" panose="020B0600070205080204" pitchFamily="50" charset="-128"/>
+              </a:rPr>
               <a:t> </a:t>
             </a:r>
             <a:r>
@@ -18523,11 +18680,15 @@
                 <a:solidFill>
                   <a:srgbClr val="000000"/>
                 </a:solidFill>
-                <a:latin typeface="Open Sans"/>
+                <a:latin typeface="ＭＳ Ｐゴシック" panose="020B0600070205080204" pitchFamily="50" charset="-128"/>
+                <a:ea typeface="ＭＳ Ｐゴシック" panose="020B0600070205080204" pitchFamily="50" charset="-128"/>
               </a:rPr>
               <a:t>3</a:t>
             </a:r>
-            <a:endParaRPr lang="en-US" altLang="ja-JP" sz="3200" spc="-1" dirty="0"/>
+            <a:endParaRPr lang="en-US" altLang="ja-JP" sz="3200" spc="-1" dirty="0">
+              <a:latin typeface="ＭＳ Ｐゴシック" panose="020B0600070205080204" pitchFamily="50" charset="-128"/>
+              <a:ea typeface="ＭＳ Ｐゴシック" panose="020B0600070205080204" pitchFamily="50" charset="-128"/>
+            </a:endParaRPr>
           </a:p>
         </p:txBody>
       </p:sp>
